--- a/Linux-Basic/day1/Introduction to UNIX and LINUX History of UNIX and LINUX.pptx
+++ b/Linux-Basic/day1/Introduction to UNIX and LINUX History of UNIX and LINUX.pptx
@@ -2,8 +2,21 @@
 <file path=ppt/presentation.xml><?xml version="1.0" encoding="utf-8"?>
 <p:presentation xmlns:a="http://schemas.openxmlformats.org/drawingml/2006/main" xmlns:r="http://schemas.openxmlformats.org/officeDocument/2006/relationships" xmlns:p="http://schemas.openxmlformats.org/presentationml/2006/main" saveSubsetFonts="1">
   <p:sldMasterIdLst>
-    <p:sldMasterId id="2147483648" r:id="rId1"/>
+    <p:sldMasterId id="2147483672" r:id="rId1"/>
   </p:sldMasterIdLst>
+  <p:sldIdLst>
+    <p:sldId id="256" r:id="rId2"/>
+    <p:sldId id="257" r:id="rId3"/>
+    <p:sldId id="258" r:id="rId4"/>
+    <p:sldId id="259" r:id="rId5"/>
+    <p:sldId id="260" r:id="rId6"/>
+    <p:sldId id="261" r:id="rId7"/>
+    <p:sldId id="263" r:id="rId8"/>
+    <p:sldId id="262" r:id="rId9"/>
+    <p:sldId id="264" r:id="rId10"/>
+    <p:sldId id="265" r:id="rId11"/>
+    <p:sldId id="266" r:id="rId12"/>
+  </p:sldIdLst>
   <p:sldSz cx="9144000" cy="6858000" type="screen4x3"/>
   <p:notesSz cx="6858000" cy="9144000"/>
   <p:defaultTextStyle>
@@ -133,19 +146,25 @@
         </p:nvSpPr>
         <p:spPr>
           <a:xfrm>
-            <a:off x="685800" y="2130425"/>
-            <a:ext cx="7772400" cy="1470025"/>
+            <a:off x="1066800" y="1406020"/>
+            <a:ext cx="6172199" cy="2251579"/>
           </a:xfrm>
         </p:spPr>
         <p:txBody>
-          <a:bodyPr/>
-          <a:lstStyle/>
+          <a:bodyPr lIns="0" rIns="0" anchor="t">
+            <a:noAutofit/>
+          </a:bodyPr>
+          <a:lstStyle>
+            <a:lvl1pPr>
+              <a:defRPr sz="6600"/>
+            </a:lvl1pPr>
+          </a:lstStyle>
           <a:p>
             <a:r>
               <a:rPr lang="en-US" smtClean="0"/>
               <a:t>Click to edit Master title style</a:t>
             </a:r>
-            <a:endParaRPr lang="en-US"/>
+            <a:endParaRPr lang="en-US" dirty="0"/>
           </a:p>
         </p:txBody>
       </p:sp>
@@ -161,16 +180,18 @@
         </p:nvSpPr>
         <p:spPr>
           <a:xfrm>
-            <a:off x="1371600" y="3886200"/>
-            <a:ext cx="6400800" cy="1752600"/>
+            <a:off x="1066800" y="3905864"/>
+            <a:ext cx="6172200" cy="1123336"/>
           </a:xfrm>
         </p:spPr>
         <p:txBody>
-          <a:bodyPr/>
+          <a:bodyPr>
+            <a:normAutofit/>
+          </a:bodyPr>
           <a:lstStyle>
-            <a:lvl1pPr marL="0" indent="0" algn="ctr">
+            <a:lvl1pPr marL="0" indent="0" algn="l">
               <a:buNone/>
-              <a:defRPr>
+              <a:defRPr sz="2000">
                 <a:solidFill>
                   <a:schemeClr val="tx1">
                     <a:tint val="75000"/>
@@ -264,13 +285,13 @@
               <a:rPr lang="en-US" smtClean="0"/>
               <a:t>Click to edit Master subtitle style</a:t>
             </a:r>
-            <a:endParaRPr lang="en-US"/>
-          </a:p>
-        </p:txBody>
-      </p:sp>
-      <p:sp>
-        <p:nvSpPr>
-          <p:cNvPr id="4" name="Date Placeholder 3"/>
+            <a:endParaRPr lang="en-US" dirty="0"/>
+          </a:p>
+        </p:txBody>
+      </p:sp>
+      <p:sp>
+        <p:nvSpPr>
+          <p:cNvPr id="7" name="Date Placeholder 6"/>
           <p:cNvSpPr>
             <a:spLocks noGrp="1"/>
           </p:cNvSpPr>
@@ -286,7 +307,7 @@
             <a:fld id="{1D8BD707-D9CF-40AE-B4C6-C98DA3205C09}" type="datetimeFigureOut">
               <a:rPr lang="en-US" smtClean="0"/>
               <a:pPr/>
-              <a:t>9/18/2006</a:t>
+              <a:t>20/12/2017</a:t>
             </a:fld>
             <a:endParaRPr lang="en-US"/>
           </a:p>
@@ -294,12 +315,12 @@
       </p:sp>
       <p:sp>
         <p:nvSpPr>
-          <p:cNvPr id="5" name="Footer Placeholder 4"/>
+          <p:cNvPr id="8" name="Slide Number Placeholder 7"/>
           <p:cNvSpPr>
             <a:spLocks noGrp="1"/>
           </p:cNvSpPr>
           <p:nvPr>
-            <p:ph type="ftr" sz="quarter" idx="11"/>
+            <p:ph type="sldNum" sz="quarter" idx="11"/>
           </p:nvPr>
         </p:nvSpPr>
         <p:spPr/>
@@ -307,18 +328,23 @@
           <a:bodyPr/>
           <a:lstStyle/>
           <a:p>
+            <a:fld id="{B6F15528-21DE-4FAA-801E-634DDDAF4B2B}" type="slidenum">
+              <a:rPr lang="en-US" smtClean="0"/>
+              <a:pPr/>
+              <a:t>‹#›</a:t>
+            </a:fld>
             <a:endParaRPr lang="en-US"/>
           </a:p>
         </p:txBody>
       </p:sp>
       <p:sp>
         <p:nvSpPr>
-          <p:cNvPr id="6" name="Slide Number Placeholder 5"/>
+          <p:cNvPr id="9" name="Footer Placeholder 8"/>
           <p:cNvSpPr>
             <a:spLocks noGrp="1"/>
           </p:cNvSpPr>
           <p:nvPr>
-            <p:ph type="sldNum" sz="quarter" idx="12"/>
+            <p:ph type="ftr" sz="quarter" idx="12"/>
           </p:nvPr>
         </p:nvSpPr>
         <p:spPr/>
@@ -326,11 +352,6 @@
           <a:bodyPr/>
           <a:lstStyle/>
           <a:p>
-            <a:fld id="{B6F15528-21DE-4FAA-801E-634DDDAF4B2B}" type="slidenum">
-              <a:rPr lang="en-US" smtClean="0"/>
-              <a:pPr/>
-              <a:t>‹#›</a:t>
-            </a:fld>
             <a:endParaRPr lang="en-US"/>
           </a:p>
         </p:txBody>
@@ -340,6 +361,13 @@
   <p:clrMapOvr>
     <a:masterClrMapping/>
   </p:clrMapOvr>
+  <p:timing>
+    <p:tnLst>
+      <p:par>
+        <p:cTn id="1" dur="indefinite" restart="never" nodeType="tmRoot"/>
+      </p:par>
+    </p:tnLst>
+  </p:timing>
 </p:sldLayout>
 </file>
 
@@ -379,7 +407,7 @@
               <a:rPr lang="en-US" smtClean="0"/>
               <a:t>Click to edit Master title style</a:t>
             </a:r>
-            <a:endParaRPr lang="en-US"/>
+            <a:endParaRPr lang="en-US" dirty="0"/>
           </a:p>
         </p:txBody>
       </p:sp>
@@ -393,7 +421,12 @@
             <p:ph type="body" orient="vert" idx="1"/>
           </p:nvPr>
         </p:nvSpPr>
-        <p:spPr/>
+        <p:spPr>
+          <a:xfrm>
+            <a:off x="3454400" y="1554480"/>
+            <a:ext cx="4222308" cy="3886202"/>
+          </a:xfrm>
+        </p:spPr>
         <p:txBody>
           <a:bodyPr vert="eaVert"/>
           <a:lstStyle/>
@@ -431,7 +464,7 @@
               <a:rPr lang="en-US" smtClean="0"/>
               <a:t>Fifth level</a:t>
             </a:r>
-            <a:endParaRPr lang="en-US"/>
+            <a:endParaRPr lang="en-US" dirty="0"/>
           </a:p>
         </p:txBody>
       </p:sp>
@@ -453,7 +486,7 @@
             <a:fld id="{1D8BD707-D9CF-40AE-B4C6-C98DA3205C09}" type="datetimeFigureOut">
               <a:rPr lang="en-US" smtClean="0"/>
               <a:pPr/>
-              <a:t>9/18/2006</a:t>
+              <a:t>20/12/2017</a:t>
             </a:fld>
             <a:endParaRPr lang="en-US"/>
           </a:p>
@@ -507,6 +540,13 @@
   <p:clrMapOvr>
     <a:masterClrMapping/>
   </p:clrMapOvr>
+  <p:timing>
+    <p:tnLst>
+      <p:par>
+        <p:cTn id="1" dur="indefinite" restart="never" nodeType="tmRoot"/>
+      </p:par>
+    </p:tnLst>
+  </p:timing>
 </p:sldLayout>
 </file>
 
@@ -539,8 +579,8 @@
         </p:nvSpPr>
         <p:spPr>
           <a:xfrm>
-            <a:off x="6629400" y="274638"/>
-            <a:ext cx="2057400" cy="5851525"/>
+            <a:off x="1069848" y="1554480"/>
+            <a:ext cx="2075688" cy="3886200"/>
           </a:xfrm>
         </p:spPr>
         <p:txBody>
@@ -551,7 +591,7 @@
               <a:rPr lang="en-US" smtClean="0"/>
               <a:t>Click to edit Master title style</a:t>
             </a:r>
-            <a:endParaRPr lang="en-US"/>
+            <a:endParaRPr lang="en-US" dirty="0"/>
           </a:p>
         </p:txBody>
       </p:sp>
@@ -567,13 +607,29 @@
         </p:nvSpPr>
         <p:spPr>
           <a:xfrm>
-            <a:off x="457200" y="274638"/>
-            <a:ext cx="6019800" cy="5851525"/>
+            <a:off x="3456432" y="1554480"/>
+            <a:ext cx="4224528" cy="3886200"/>
           </a:xfrm>
         </p:spPr>
         <p:txBody>
           <a:bodyPr vert="eaVert"/>
-          <a:lstStyle/>
+          <a:lstStyle>
+            <a:lvl1pPr algn="l">
+              <a:defRPr/>
+            </a:lvl1pPr>
+            <a:lvl2pPr algn="l">
+              <a:defRPr/>
+            </a:lvl2pPr>
+            <a:lvl3pPr algn="l">
+              <a:defRPr/>
+            </a:lvl3pPr>
+            <a:lvl4pPr algn="l">
+              <a:defRPr/>
+            </a:lvl4pPr>
+            <a:lvl5pPr algn="l">
+              <a:defRPr/>
+            </a:lvl5pPr>
+          </a:lstStyle>
           <a:p>
             <a:pPr lvl="0"/>
             <a:r>
@@ -630,7 +686,7 @@
             <a:fld id="{1D8BD707-D9CF-40AE-B4C6-C98DA3205C09}" type="datetimeFigureOut">
               <a:rPr lang="en-US" smtClean="0"/>
               <a:pPr/>
-              <a:t>9/18/2006</a:t>
+              <a:t>20/12/2017</a:t>
             </a:fld>
             <a:endParaRPr lang="en-US"/>
           </a:p>
@@ -684,6 +740,13 @@
   <p:clrMapOvr>
     <a:masterClrMapping/>
   </p:clrMapOvr>
+  <p:timing>
+    <p:tnLst>
+      <p:par>
+        <p:cTn id="1" dur="indefinite" restart="never" nodeType="tmRoot"/>
+      </p:par>
+    </p:tnLst>
+  </p:timing>
 </p:sldLayout>
 </file>
 
@@ -706,7 +769,131 @@
       </p:grpSpPr>
       <p:sp>
         <p:nvSpPr>
-          <p:cNvPr id="2" name="Title 1"/>
+          <p:cNvPr id="8" name="Content Placeholder 7"/>
+          <p:cNvSpPr>
+            <a:spLocks noGrp="1"/>
+          </p:cNvSpPr>
+          <p:nvPr>
+            <p:ph sz="quarter" idx="13"/>
+          </p:nvPr>
+        </p:nvSpPr>
+        <p:spPr>
+          <a:xfrm>
+            <a:off x="3456432" y="1545336"/>
+            <a:ext cx="4224528" cy="3886200"/>
+          </a:xfrm>
+        </p:spPr>
+        <p:txBody>
+          <a:bodyPr/>
+          <a:lstStyle/>
+          <a:p>
+            <a:pPr lvl="0"/>
+            <a:r>
+              <a:rPr lang="en-US" smtClean="0"/>
+              <a:t>Click to edit Master text styles</a:t>
+            </a:r>
+          </a:p>
+          <a:p>
+            <a:pPr lvl="1"/>
+            <a:r>
+              <a:rPr lang="en-US" smtClean="0"/>
+              <a:t>Second level</a:t>
+            </a:r>
+          </a:p>
+          <a:p>
+            <a:pPr lvl="2"/>
+            <a:r>
+              <a:rPr lang="en-US" smtClean="0"/>
+              <a:t>Third level</a:t>
+            </a:r>
+          </a:p>
+          <a:p>
+            <a:pPr lvl="3"/>
+            <a:r>
+              <a:rPr lang="en-US" smtClean="0"/>
+              <a:t>Fourth level</a:t>
+            </a:r>
+          </a:p>
+          <a:p>
+            <a:pPr lvl="4"/>
+            <a:r>
+              <a:rPr lang="en-US" smtClean="0"/>
+              <a:t>Fifth level</a:t>
+            </a:r>
+            <a:endParaRPr lang="en-US"/>
+          </a:p>
+        </p:txBody>
+      </p:sp>
+      <p:sp>
+        <p:nvSpPr>
+          <p:cNvPr id="9" name="Date Placeholder 8"/>
+          <p:cNvSpPr>
+            <a:spLocks noGrp="1"/>
+          </p:cNvSpPr>
+          <p:nvPr>
+            <p:ph type="dt" sz="half" idx="14"/>
+          </p:nvPr>
+        </p:nvSpPr>
+        <p:spPr/>
+        <p:txBody>
+          <a:bodyPr/>
+          <a:lstStyle/>
+          <a:p>
+            <a:fld id="{1D8BD707-D9CF-40AE-B4C6-C98DA3205C09}" type="datetimeFigureOut">
+              <a:rPr lang="en-US" smtClean="0"/>
+              <a:pPr/>
+              <a:t>20/12/2017</a:t>
+            </a:fld>
+            <a:endParaRPr lang="en-US"/>
+          </a:p>
+        </p:txBody>
+      </p:sp>
+      <p:sp>
+        <p:nvSpPr>
+          <p:cNvPr id="10" name="Slide Number Placeholder 9"/>
+          <p:cNvSpPr>
+            <a:spLocks noGrp="1"/>
+          </p:cNvSpPr>
+          <p:nvPr>
+            <p:ph type="sldNum" sz="quarter" idx="15"/>
+          </p:nvPr>
+        </p:nvSpPr>
+        <p:spPr/>
+        <p:txBody>
+          <a:bodyPr/>
+          <a:lstStyle/>
+          <a:p>
+            <a:fld id="{B6F15528-21DE-4FAA-801E-634DDDAF4B2B}" type="slidenum">
+              <a:rPr lang="en-US" smtClean="0"/>
+              <a:pPr/>
+              <a:t>‹#›</a:t>
+            </a:fld>
+            <a:endParaRPr lang="en-US"/>
+          </a:p>
+        </p:txBody>
+      </p:sp>
+      <p:sp>
+        <p:nvSpPr>
+          <p:cNvPr id="11" name="Footer Placeholder 10"/>
+          <p:cNvSpPr>
+            <a:spLocks noGrp="1"/>
+          </p:cNvSpPr>
+          <p:nvPr>
+            <p:ph type="ftr" sz="quarter" idx="16"/>
+          </p:nvPr>
+        </p:nvSpPr>
+        <p:spPr/>
+        <p:txBody>
+          <a:bodyPr/>
+          <a:lstStyle/>
+          <a:p>
+            <a:endParaRPr lang="en-US"/>
+          </a:p>
+        </p:txBody>
+      </p:sp>
+      <p:sp>
+        <p:nvSpPr>
+          <p:cNvPr id="12" name="Title 11"/>
           <p:cNvSpPr>
             <a:spLocks noGrp="1"/>
           </p:cNvSpPr>
@@ -723,126 +910,7 @@
               <a:rPr lang="en-US" smtClean="0"/>
               <a:t>Click to edit Master title style</a:t>
             </a:r>
-            <a:endParaRPr lang="en-US"/>
-          </a:p>
-        </p:txBody>
-      </p:sp>
-      <p:sp>
-        <p:nvSpPr>
-          <p:cNvPr id="3" name="Content Placeholder 2"/>
-          <p:cNvSpPr>
-            <a:spLocks noGrp="1"/>
-          </p:cNvSpPr>
-          <p:nvPr>
-            <p:ph idx="1"/>
-          </p:nvPr>
-        </p:nvSpPr>
-        <p:spPr/>
-        <p:txBody>
-          <a:bodyPr/>
-          <a:lstStyle/>
-          <a:p>
-            <a:pPr lvl="0"/>
-            <a:r>
-              <a:rPr lang="en-US" smtClean="0"/>
-              <a:t>Click to edit Master text styles</a:t>
-            </a:r>
-          </a:p>
-          <a:p>
-            <a:pPr lvl="1"/>
-            <a:r>
-              <a:rPr lang="en-US" smtClean="0"/>
-              <a:t>Second level</a:t>
-            </a:r>
-          </a:p>
-          <a:p>
-            <a:pPr lvl="2"/>
-            <a:r>
-              <a:rPr lang="en-US" smtClean="0"/>
-              <a:t>Third level</a:t>
-            </a:r>
-          </a:p>
-          <a:p>
-            <a:pPr lvl="3"/>
-            <a:r>
-              <a:rPr lang="en-US" smtClean="0"/>
-              <a:t>Fourth level</a:t>
-            </a:r>
-          </a:p>
-          <a:p>
-            <a:pPr lvl="4"/>
-            <a:r>
-              <a:rPr lang="en-US" smtClean="0"/>
-              <a:t>Fifth level</a:t>
-            </a:r>
-            <a:endParaRPr lang="en-US"/>
-          </a:p>
-        </p:txBody>
-      </p:sp>
-      <p:sp>
-        <p:nvSpPr>
-          <p:cNvPr id="4" name="Date Placeholder 3"/>
-          <p:cNvSpPr>
-            <a:spLocks noGrp="1"/>
-          </p:cNvSpPr>
-          <p:nvPr>
-            <p:ph type="dt" sz="half" idx="10"/>
-          </p:nvPr>
-        </p:nvSpPr>
-        <p:spPr/>
-        <p:txBody>
-          <a:bodyPr/>
-          <a:lstStyle/>
-          <a:p>
-            <a:fld id="{1D8BD707-D9CF-40AE-B4C6-C98DA3205C09}" type="datetimeFigureOut">
-              <a:rPr lang="en-US" smtClean="0"/>
-              <a:pPr/>
-              <a:t>9/18/2006</a:t>
-            </a:fld>
-            <a:endParaRPr lang="en-US"/>
-          </a:p>
-        </p:txBody>
-      </p:sp>
-      <p:sp>
-        <p:nvSpPr>
-          <p:cNvPr id="5" name="Footer Placeholder 4"/>
-          <p:cNvSpPr>
-            <a:spLocks noGrp="1"/>
-          </p:cNvSpPr>
-          <p:nvPr>
-            <p:ph type="ftr" sz="quarter" idx="11"/>
-          </p:nvPr>
-        </p:nvSpPr>
-        <p:spPr/>
-        <p:txBody>
-          <a:bodyPr/>
-          <a:lstStyle/>
-          <a:p>
-            <a:endParaRPr lang="en-US"/>
-          </a:p>
-        </p:txBody>
-      </p:sp>
-      <p:sp>
-        <p:nvSpPr>
-          <p:cNvPr id="6" name="Slide Number Placeholder 5"/>
-          <p:cNvSpPr>
-            <a:spLocks noGrp="1"/>
-          </p:cNvSpPr>
-          <p:nvPr>
-            <p:ph type="sldNum" sz="quarter" idx="12"/>
-          </p:nvPr>
-        </p:nvSpPr>
-        <p:spPr/>
-        <p:txBody>
-          <a:bodyPr/>
-          <a:lstStyle/>
-          <a:p>
-            <a:fld id="{B6F15528-21DE-4FAA-801E-634DDDAF4B2B}" type="slidenum">
-              <a:rPr lang="en-US" smtClean="0"/>
-              <a:pPr/>
-              <a:t>‹#›</a:t>
-            </a:fld>
-            <a:endParaRPr lang="en-US"/>
+            <a:endParaRPr lang="en-US" dirty="0"/>
           </a:p>
         </p:txBody>
       </p:sp>
@@ -851,6 +919,13 @@
   <p:clrMapOvr>
     <a:masterClrMapping/>
   </p:clrMapOvr>
+  <p:timing>
+    <p:tnLst>
+      <p:par>
+        <p:cTn id="1" dur="indefinite" restart="never" nodeType="tmRoot"/>
+      </p:par>
+    </p:tnLst>
+  </p:timing>
 </p:sldLayout>
 </file>
 
@@ -883,15 +958,17 @@
         </p:nvSpPr>
         <p:spPr>
           <a:xfrm>
-            <a:off x="722313" y="4406900"/>
-            <a:ext cx="7772400" cy="1362075"/>
+            <a:off x="1069848" y="1472184"/>
+            <a:ext cx="6172200" cy="2130552"/>
           </a:xfrm>
         </p:spPr>
         <p:txBody>
-          <a:bodyPr anchor="t"/>
+          <a:bodyPr anchor="t">
+            <a:noAutofit/>
+          </a:bodyPr>
           <a:lstStyle>
             <a:lvl1pPr algn="l">
-              <a:defRPr sz="4000" b="1" cap="all"/>
+              <a:defRPr sz="4800" b="1" cap="all"/>
             </a:lvl1pPr>
           </a:lstStyle>
           <a:p>
@@ -899,7 +976,7 @@
               <a:rPr lang="en-US" smtClean="0"/>
               <a:t>Click to edit Master title style</a:t>
             </a:r>
-            <a:endParaRPr lang="en-US"/>
+            <a:endParaRPr lang="en-US" dirty="0"/>
           </a:p>
         </p:txBody>
       </p:sp>
@@ -915,16 +992,18 @@
         </p:nvSpPr>
         <p:spPr>
           <a:xfrm>
-            <a:off x="722313" y="2906713"/>
-            <a:ext cx="7772400" cy="1500187"/>
+            <a:off x="1069848" y="3886200"/>
+            <a:ext cx="6172200" cy="914400"/>
           </a:xfrm>
         </p:spPr>
         <p:txBody>
-          <a:bodyPr anchor="b"/>
+          <a:bodyPr anchor="t">
+            <a:normAutofit/>
+          </a:bodyPr>
           <a:lstStyle>
             <a:lvl1pPr marL="0" indent="0">
               <a:buNone/>
-              <a:defRPr sz="2000">
+              <a:defRPr sz="1800">
                 <a:solidFill>
                   <a:schemeClr val="tx1">
                     <a:tint val="75000"/>
@@ -1024,7 +1103,7 @@
       </p:sp>
       <p:sp>
         <p:nvSpPr>
-          <p:cNvPr id="4" name="Date Placeholder 3"/>
+          <p:cNvPr id="7" name="Date Placeholder 6"/>
           <p:cNvSpPr>
             <a:spLocks noGrp="1"/>
           </p:cNvSpPr>
@@ -1040,7 +1119,7 @@
             <a:fld id="{1D8BD707-D9CF-40AE-B4C6-C98DA3205C09}" type="datetimeFigureOut">
               <a:rPr lang="en-US" smtClean="0"/>
               <a:pPr/>
-              <a:t>9/18/2006</a:t>
+              <a:t>20/12/2017</a:t>
             </a:fld>
             <a:endParaRPr lang="en-US"/>
           </a:p>
@@ -1048,12 +1127,12 @@
       </p:sp>
       <p:sp>
         <p:nvSpPr>
-          <p:cNvPr id="5" name="Footer Placeholder 4"/>
+          <p:cNvPr id="8" name="Slide Number Placeholder 7"/>
           <p:cNvSpPr>
             <a:spLocks noGrp="1"/>
           </p:cNvSpPr>
           <p:nvPr>
-            <p:ph type="ftr" sz="quarter" idx="11"/>
+            <p:ph type="sldNum" sz="quarter" idx="11"/>
           </p:nvPr>
         </p:nvSpPr>
         <p:spPr/>
@@ -1061,18 +1140,23 @@
           <a:bodyPr/>
           <a:lstStyle/>
           <a:p>
+            <a:fld id="{B6F15528-21DE-4FAA-801E-634DDDAF4B2B}" type="slidenum">
+              <a:rPr lang="en-US" smtClean="0"/>
+              <a:pPr/>
+              <a:t>‹#›</a:t>
+            </a:fld>
             <a:endParaRPr lang="en-US"/>
           </a:p>
         </p:txBody>
       </p:sp>
       <p:sp>
         <p:nvSpPr>
-          <p:cNvPr id="6" name="Slide Number Placeholder 5"/>
+          <p:cNvPr id="9" name="Footer Placeholder 8"/>
           <p:cNvSpPr>
             <a:spLocks noGrp="1"/>
           </p:cNvSpPr>
           <p:nvPr>
-            <p:ph type="sldNum" sz="quarter" idx="12"/>
+            <p:ph type="ftr" sz="quarter" idx="12"/>
           </p:nvPr>
         </p:nvSpPr>
         <p:spPr/>
@@ -1080,11 +1164,6 @@
           <a:bodyPr/>
           <a:lstStyle/>
           <a:p>
-            <a:fld id="{B6F15528-21DE-4FAA-801E-634DDDAF4B2B}" type="slidenum">
-              <a:rPr lang="en-US" smtClean="0"/>
-              <a:pPr/>
-              <a:t>‹#›</a:t>
-            </a:fld>
             <a:endParaRPr lang="en-US"/>
           </a:p>
         </p:txBody>
@@ -1094,6 +1173,13 @@
   <p:clrMapOvr>
     <a:masterClrMapping/>
   </p:clrMapOvr>
+  <p:timing>
+    <p:tnLst>
+      <p:par>
+        <p:cTn id="1" dur="indefinite" restart="never" nodeType="tmRoot"/>
+      </p:par>
+    </p:tnLst>
+  </p:timing>
 </p:sldLayout>
 </file>
 
@@ -1124,7 +1210,12 @@
             <p:ph type="title"/>
           </p:nvPr>
         </p:nvSpPr>
-        <p:spPr/>
+        <p:spPr>
+          <a:xfrm>
+            <a:off x="493776" y="609600"/>
+            <a:ext cx="3616325" cy="1066800"/>
+          </a:xfrm>
+        </p:spPr>
         <p:txBody>
           <a:bodyPr/>
           <a:lstStyle/>
@@ -1133,7 +1224,7 @@
               <a:rPr lang="en-US" smtClean="0"/>
               <a:t>Click to edit Master title style</a:t>
             </a:r>
-            <a:endParaRPr lang="en-US"/>
+            <a:endParaRPr lang="en-US" dirty="0"/>
           </a:p>
         </p:txBody>
       </p:sp>
@@ -1149,21 +1240,23 @@
         </p:nvSpPr>
         <p:spPr>
           <a:xfrm>
-            <a:off x="457200" y="1600200"/>
-            <a:ext cx="4038600" cy="4525963"/>
+            <a:off x="4486998" y="1915859"/>
+            <a:ext cx="3646966" cy="2881426"/>
           </a:xfrm>
         </p:spPr>
         <p:txBody>
-          <a:bodyPr/>
+          <a:bodyPr>
+            <a:normAutofit/>
+          </a:bodyPr>
           <a:lstStyle>
             <a:lvl1pPr>
-              <a:defRPr sz="2800"/>
+              <a:defRPr sz="1800"/>
             </a:lvl1pPr>
             <a:lvl2pPr>
-              <a:defRPr sz="2400"/>
+              <a:defRPr sz="1800"/>
             </a:lvl2pPr>
             <a:lvl3pPr>
-              <a:defRPr sz="2000"/>
+              <a:defRPr sz="1800"/>
             </a:lvl3pPr>
             <a:lvl4pPr>
               <a:defRPr sz="1800"/>
@@ -1218,7 +1311,7 @@
               <a:rPr lang="en-US" smtClean="0"/>
               <a:t>Fifth level</a:t>
             </a:r>
-            <a:endParaRPr lang="en-US"/>
+            <a:endParaRPr lang="en-US" dirty="0"/>
           </a:p>
         </p:txBody>
       </p:sp>
@@ -1234,21 +1327,23 @@
         </p:nvSpPr>
         <p:spPr>
           <a:xfrm>
-            <a:off x="4648200" y="1600200"/>
-            <a:ext cx="4038600" cy="4525963"/>
+            <a:off x="496754" y="1915881"/>
+            <a:ext cx="3639311" cy="2881398"/>
           </a:xfrm>
         </p:spPr>
         <p:txBody>
-          <a:bodyPr/>
+          <a:bodyPr>
+            <a:normAutofit/>
+          </a:bodyPr>
           <a:lstStyle>
             <a:lvl1pPr>
-              <a:defRPr sz="2800"/>
+              <a:defRPr sz="1800"/>
             </a:lvl1pPr>
             <a:lvl2pPr>
-              <a:defRPr sz="2400"/>
+              <a:defRPr sz="1800"/>
             </a:lvl2pPr>
             <a:lvl3pPr>
-              <a:defRPr sz="2000"/>
+              <a:defRPr sz="1800"/>
             </a:lvl3pPr>
             <a:lvl4pPr>
               <a:defRPr sz="1800"/>
@@ -1303,13 +1398,13 @@
               <a:rPr lang="en-US" smtClean="0"/>
               <a:t>Fifth level</a:t>
             </a:r>
-            <a:endParaRPr lang="en-US"/>
-          </a:p>
-        </p:txBody>
-      </p:sp>
-      <p:sp>
-        <p:nvSpPr>
-          <p:cNvPr id="5" name="Date Placeholder 4"/>
+            <a:endParaRPr lang="en-US" dirty="0"/>
+          </a:p>
+        </p:txBody>
+      </p:sp>
+      <p:sp>
+        <p:nvSpPr>
+          <p:cNvPr id="9" name="Date Placeholder 8"/>
           <p:cNvSpPr>
             <a:spLocks noGrp="1"/>
           </p:cNvSpPr>
@@ -1325,7 +1420,7 @@
             <a:fld id="{1D8BD707-D9CF-40AE-B4C6-C98DA3205C09}" type="datetimeFigureOut">
               <a:rPr lang="en-US" smtClean="0"/>
               <a:pPr/>
-              <a:t>9/18/2006</a:t>
+              <a:t>20/12/2017</a:t>
             </a:fld>
             <a:endParaRPr lang="en-US"/>
           </a:p>
@@ -1333,12 +1428,12 @@
       </p:sp>
       <p:sp>
         <p:nvSpPr>
-          <p:cNvPr id="6" name="Footer Placeholder 5"/>
+          <p:cNvPr id="10" name="Slide Number Placeholder 9"/>
           <p:cNvSpPr>
             <a:spLocks noGrp="1"/>
           </p:cNvSpPr>
           <p:nvPr>
-            <p:ph type="ftr" sz="quarter" idx="11"/>
+            <p:ph type="sldNum" sz="quarter" idx="11"/>
           </p:nvPr>
         </p:nvSpPr>
         <p:spPr/>
@@ -1346,30 +1441,35 @@
           <a:bodyPr/>
           <a:lstStyle/>
           <a:p>
+            <a:fld id="{B6F15528-21DE-4FAA-801E-634DDDAF4B2B}" type="slidenum">
+              <a:rPr lang="en-US" smtClean="0"/>
+              <a:pPr/>
+              <a:t>‹#›</a:t>
+            </a:fld>
             <a:endParaRPr lang="en-US"/>
           </a:p>
         </p:txBody>
       </p:sp>
       <p:sp>
         <p:nvSpPr>
-          <p:cNvPr id="7" name="Slide Number Placeholder 6"/>
+          <p:cNvPr id="11" name="Footer Placeholder 10"/>
           <p:cNvSpPr>
             <a:spLocks noGrp="1"/>
           </p:cNvSpPr>
           <p:nvPr>
-            <p:ph type="sldNum" sz="quarter" idx="12"/>
+            <p:ph type="ftr" sz="quarter" idx="12"/>
           </p:nvPr>
         </p:nvSpPr>
-        <p:spPr/>
+        <p:spPr>
+          <a:xfrm>
+            <a:off x="493776" y="6356350"/>
+            <a:ext cx="5102352" cy="365125"/>
+          </a:xfrm>
+        </p:spPr>
         <p:txBody>
           <a:bodyPr/>
           <a:lstStyle/>
           <a:p>
-            <a:fld id="{B6F15528-21DE-4FAA-801E-634DDDAF4B2B}" type="slidenum">
-              <a:rPr lang="en-US" smtClean="0"/>
-              <a:pPr/>
-              <a:t>‹#›</a:t>
-            </a:fld>
             <a:endParaRPr lang="en-US"/>
           </a:p>
         </p:txBody>
@@ -1379,6 +1479,13 @@
   <p:clrMapOvr>
     <a:masterClrMapping/>
   </p:clrMapOvr>
+  <p:timing>
+    <p:tnLst>
+      <p:par>
+        <p:cTn id="1" dur="indefinite" restart="never" nodeType="tmRoot"/>
+      </p:par>
+    </p:tnLst>
+  </p:timing>
 </p:sldLayout>
 </file>
 
@@ -1409,7 +1516,12 @@
             <p:ph type="title"/>
           </p:nvPr>
         </p:nvSpPr>
-        <p:spPr/>
+        <p:spPr>
+          <a:xfrm>
+            <a:off x="493776" y="609600"/>
+            <a:ext cx="3615734" cy="1066799"/>
+          </a:xfrm>
+        </p:spPr>
         <p:txBody>
           <a:bodyPr/>
           <a:lstStyle>
@@ -1422,7 +1534,7 @@
               <a:rPr lang="en-US" smtClean="0"/>
               <a:t>Click to edit Master title style</a:t>
             </a:r>
-            <a:endParaRPr lang="en-US"/>
+            <a:endParaRPr lang="en-US" dirty="0"/>
           </a:p>
         </p:txBody>
       </p:sp>
@@ -1438,16 +1550,18 @@
         </p:nvSpPr>
         <p:spPr>
           <a:xfrm>
-            <a:off x="457200" y="1535113"/>
-            <a:ext cx="4040188" cy="639762"/>
+            <a:off x="495301" y="1916113"/>
+            <a:ext cx="3638550" cy="646112"/>
           </a:xfrm>
         </p:spPr>
         <p:txBody>
-          <a:bodyPr anchor="b"/>
+          <a:bodyPr anchor="t">
+            <a:normAutofit/>
+          </a:bodyPr>
           <a:lstStyle>
             <a:lvl1pPr marL="0" indent="0">
               <a:buNone/>
-              <a:defRPr sz="2400" b="1"/>
+              <a:defRPr sz="1800" b="0"/>
             </a:lvl1pPr>
             <a:lvl2pPr marL="457200" indent="0">
               <a:buNone/>
@@ -1503,27 +1617,29 @@
         </p:nvSpPr>
         <p:spPr>
           <a:xfrm>
-            <a:off x="457200" y="2174875"/>
-            <a:ext cx="4040188" cy="3951288"/>
+            <a:off x="495300" y="2860676"/>
+            <a:ext cx="3638550" cy="2882899"/>
           </a:xfrm>
         </p:spPr>
         <p:txBody>
-          <a:bodyPr/>
+          <a:bodyPr>
+            <a:normAutofit/>
+          </a:bodyPr>
           <a:lstStyle>
             <a:lvl1pPr>
-              <a:defRPr sz="2400"/>
+              <a:defRPr sz="1800"/>
             </a:lvl1pPr>
             <a:lvl2pPr>
-              <a:defRPr sz="2000"/>
+              <a:defRPr sz="1800"/>
             </a:lvl2pPr>
             <a:lvl3pPr>
               <a:defRPr sz="1800"/>
             </a:lvl3pPr>
             <a:lvl4pPr>
-              <a:defRPr sz="1600"/>
+              <a:defRPr sz="1800"/>
             </a:lvl4pPr>
             <a:lvl5pPr>
-              <a:defRPr sz="1600"/>
+              <a:defRPr sz="1800"/>
             </a:lvl5pPr>
             <a:lvl6pPr>
               <a:defRPr sz="1600"/>
@@ -1572,7 +1688,7 @@
               <a:rPr lang="en-US" smtClean="0"/>
               <a:t>Fifth level</a:t>
             </a:r>
-            <a:endParaRPr lang="en-US"/>
+            <a:endParaRPr lang="en-US" dirty="0"/>
           </a:p>
         </p:txBody>
       </p:sp>
@@ -1588,16 +1704,18 @@
         </p:nvSpPr>
         <p:spPr>
           <a:xfrm>
-            <a:off x="4645025" y="1535113"/>
-            <a:ext cx="4041775" cy="639762"/>
+            <a:off x="4492625" y="1916113"/>
+            <a:ext cx="3660775" cy="646112"/>
           </a:xfrm>
         </p:spPr>
         <p:txBody>
-          <a:bodyPr anchor="b"/>
+          <a:bodyPr anchor="t">
+            <a:normAutofit/>
+          </a:bodyPr>
           <a:lstStyle>
             <a:lvl1pPr marL="0" indent="0">
               <a:buNone/>
-              <a:defRPr sz="2400" b="1"/>
+              <a:defRPr sz="1800" b="0"/>
             </a:lvl1pPr>
             <a:lvl2pPr marL="457200" indent="0">
               <a:buNone/>
@@ -1653,27 +1771,29 @@
         </p:nvSpPr>
         <p:spPr>
           <a:xfrm>
-            <a:off x="4645025" y="2174875"/>
-            <a:ext cx="4041775" cy="3951288"/>
+            <a:off x="4492626" y="2860676"/>
+            <a:ext cx="3651250" cy="2882900"/>
           </a:xfrm>
         </p:spPr>
         <p:txBody>
-          <a:bodyPr/>
+          <a:bodyPr>
+            <a:normAutofit/>
+          </a:bodyPr>
           <a:lstStyle>
             <a:lvl1pPr>
-              <a:defRPr sz="2400"/>
+              <a:defRPr sz="1800"/>
             </a:lvl1pPr>
             <a:lvl2pPr>
-              <a:defRPr sz="2000"/>
+              <a:defRPr sz="1800"/>
             </a:lvl2pPr>
             <a:lvl3pPr>
               <a:defRPr sz="1800"/>
             </a:lvl3pPr>
             <a:lvl4pPr>
-              <a:defRPr sz="1600"/>
+              <a:defRPr sz="1800"/>
             </a:lvl4pPr>
             <a:lvl5pPr>
-              <a:defRPr sz="1600"/>
+              <a:defRPr sz="1800"/>
             </a:lvl5pPr>
             <a:lvl6pPr>
               <a:defRPr sz="1600"/>
@@ -1722,13 +1842,13 @@
               <a:rPr lang="en-US" smtClean="0"/>
               <a:t>Fifth level</a:t>
             </a:r>
-            <a:endParaRPr lang="en-US"/>
-          </a:p>
-        </p:txBody>
-      </p:sp>
-      <p:sp>
-        <p:nvSpPr>
-          <p:cNvPr id="7" name="Date Placeholder 6"/>
+            <a:endParaRPr lang="en-US" dirty="0"/>
+          </a:p>
+        </p:txBody>
+      </p:sp>
+      <p:sp>
+        <p:nvSpPr>
+          <p:cNvPr id="10" name="Date Placeholder 9"/>
           <p:cNvSpPr>
             <a:spLocks noGrp="1"/>
           </p:cNvSpPr>
@@ -1744,7 +1864,7 @@
             <a:fld id="{1D8BD707-D9CF-40AE-B4C6-C98DA3205C09}" type="datetimeFigureOut">
               <a:rPr lang="en-US" smtClean="0"/>
               <a:pPr/>
-              <a:t>9/18/2006</a:t>
+              <a:t>20/12/2017</a:t>
             </a:fld>
             <a:endParaRPr lang="en-US"/>
           </a:p>
@@ -1752,12 +1872,12 @@
       </p:sp>
       <p:sp>
         <p:nvSpPr>
-          <p:cNvPr id="8" name="Footer Placeholder 7"/>
+          <p:cNvPr id="11" name="Slide Number Placeholder 10"/>
           <p:cNvSpPr>
             <a:spLocks noGrp="1"/>
           </p:cNvSpPr>
           <p:nvPr>
-            <p:ph type="ftr" sz="quarter" idx="11"/>
+            <p:ph type="sldNum" sz="quarter" idx="11"/>
           </p:nvPr>
         </p:nvSpPr>
         <p:spPr/>
@@ -1765,30 +1885,35 @@
           <a:bodyPr/>
           <a:lstStyle/>
           <a:p>
+            <a:fld id="{B6F15528-21DE-4FAA-801E-634DDDAF4B2B}" type="slidenum">
+              <a:rPr lang="en-US" smtClean="0"/>
+              <a:pPr/>
+              <a:t>‹#›</a:t>
+            </a:fld>
             <a:endParaRPr lang="en-US"/>
           </a:p>
         </p:txBody>
       </p:sp>
       <p:sp>
         <p:nvSpPr>
-          <p:cNvPr id="9" name="Slide Number Placeholder 8"/>
+          <p:cNvPr id="12" name="Footer Placeholder 11"/>
           <p:cNvSpPr>
             <a:spLocks noGrp="1"/>
           </p:cNvSpPr>
           <p:nvPr>
-            <p:ph type="sldNum" sz="quarter" idx="12"/>
+            <p:ph type="ftr" sz="quarter" idx="12"/>
           </p:nvPr>
         </p:nvSpPr>
-        <p:spPr/>
+        <p:spPr>
+          <a:xfrm>
+            <a:off x="493776" y="6356350"/>
+            <a:ext cx="5102352" cy="365125"/>
+          </a:xfrm>
+        </p:spPr>
         <p:txBody>
           <a:bodyPr/>
           <a:lstStyle/>
           <a:p>
-            <a:fld id="{B6F15528-21DE-4FAA-801E-634DDDAF4B2B}" type="slidenum">
-              <a:rPr lang="en-US" smtClean="0"/>
-              <a:pPr/>
-              <a:t>‹#›</a:t>
-            </a:fld>
             <a:endParaRPr lang="en-US"/>
           </a:p>
         </p:txBody>
@@ -1798,6 +1923,13 @@
   <p:clrMapOvr>
     <a:masterClrMapping/>
   </p:clrMapOvr>
+  <p:timing>
+    <p:tnLst>
+      <p:par>
+        <p:cTn id="1" dur="indefinite" restart="never" nodeType="tmRoot"/>
+      </p:par>
+    </p:tnLst>
+  </p:timing>
 </p:sldLayout>
 </file>
 
@@ -1820,29 +1952,6 @@
       </p:grpSpPr>
       <p:sp>
         <p:nvSpPr>
-          <p:cNvPr id="2" name="Title 1"/>
-          <p:cNvSpPr>
-            <a:spLocks noGrp="1"/>
-          </p:cNvSpPr>
-          <p:nvPr>
-            <p:ph type="title"/>
-          </p:nvPr>
-        </p:nvSpPr>
-        <p:spPr/>
-        <p:txBody>
-          <a:bodyPr/>
-          <a:lstStyle/>
-          <a:p>
-            <a:r>
-              <a:rPr lang="en-US" smtClean="0"/>
-              <a:t>Click to edit Master title style</a:t>
-            </a:r>
-            <a:endParaRPr lang="en-US"/>
-          </a:p>
-        </p:txBody>
-      </p:sp>
-      <p:sp>
-        <p:nvSpPr>
           <p:cNvPr id="3" name="Date Placeholder 2"/>
           <p:cNvSpPr>
             <a:spLocks noGrp="1"/>
@@ -1851,7 +1960,12 @@
             <p:ph type="dt" sz="half" idx="10"/>
           </p:nvPr>
         </p:nvSpPr>
-        <p:spPr/>
+        <p:spPr>
+          <a:xfrm>
+            <a:off x="7162800" y="1551543"/>
+            <a:ext cx="1828800" cy="365125"/>
+          </a:xfrm>
+        </p:spPr>
         <p:txBody>
           <a:bodyPr/>
           <a:lstStyle/>
@@ -1859,7 +1973,7 @@
             <a:fld id="{1D8BD707-D9CF-40AE-B4C6-C98DA3205C09}" type="datetimeFigureOut">
               <a:rPr lang="en-US" smtClean="0"/>
               <a:pPr/>
-              <a:t>9/18/2006</a:t>
+              <a:t>20/12/2017</a:t>
             </a:fld>
             <a:endParaRPr lang="en-US"/>
           </a:p>
@@ -1867,12 +1981,12 @@
       </p:sp>
       <p:sp>
         <p:nvSpPr>
-          <p:cNvPr id="4" name="Footer Placeholder 3"/>
+          <p:cNvPr id="5" name="Title 4"/>
           <p:cNvSpPr>
             <a:spLocks noGrp="1"/>
           </p:cNvSpPr>
           <p:nvPr>
-            <p:ph type="ftr" sz="quarter" idx="11"/>
+            <p:ph type="title"/>
           </p:nvPr>
         </p:nvSpPr>
         <p:spPr/>
@@ -1880,18 +1994,22 @@
           <a:bodyPr/>
           <a:lstStyle/>
           <a:p>
-            <a:endParaRPr lang="en-US"/>
-          </a:p>
-        </p:txBody>
-      </p:sp>
-      <p:sp>
-        <p:nvSpPr>
-          <p:cNvPr id="5" name="Slide Number Placeholder 4"/>
+            <a:r>
+              <a:rPr lang="en-US" smtClean="0"/>
+              <a:t>Click to edit Master title style</a:t>
+            </a:r>
+            <a:endParaRPr lang="en-US" dirty="0"/>
+          </a:p>
+        </p:txBody>
+      </p:sp>
+      <p:sp>
+        <p:nvSpPr>
+          <p:cNvPr id="4" name="Slide Number Placeholder 3"/>
           <p:cNvSpPr>
             <a:spLocks noGrp="1"/>
           </p:cNvSpPr>
           <p:nvPr>
-            <p:ph type="sldNum" sz="quarter" idx="12"/>
+            <p:ph type="sldNum" sz="quarter" idx="11"/>
           </p:nvPr>
         </p:nvSpPr>
         <p:spPr/>
@@ -1904,6 +2022,25 @@
               <a:pPr/>
               <a:t>‹#›</a:t>
             </a:fld>
+            <a:endParaRPr lang="en-US"/>
+          </a:p>
+        </p:txBody>
+      </p:sp>
+      <p:sp>
+        <p:nvSpPr>
+          <p:cNvPr id="6" name="Footer Placeholder 5"/>
+          <p:cNvSpPr>
+            <a:spLocks noGrp="1"/>
+          </p:cNvSpPr>
+          <p:nvPr>
+            <p:ph type="ftr" sz="quarter" idx="12"/>
+          </p:nvPr>
+        </p:nvSpPr>
+        <p:spPr/>
+        <p:txBody>
+          <a:bodyPr/>
+          <a:lstStyle/>
+          <a:p>
             <a:endParaRPr lang="en-US"/>
           </a:p>
         </p:txBody>
@@ -1913,6 +2050,13 @@
   <p:clrMapOvr>
     <a:masterClrMapping/>
   </p:clrMapOvr>
+  <p:timing>
+    <p:tnLst>
+      <p:par>
+        <p:cTn id="1" dur="indefinite" restart="never" nodeType="tmRoot"/>
+      </p:par>
+    </p:tnLst>
+  </p:timing>
 </p:sldLayout>
 </file>
 
@@ -1951,7 +2095,7 @@
             <a:fld id="{1D8BD707-D9CF-40AE-B4C6-C98DA3205C09}" type="datetimeFigureOut">
               <a:rPr lang="en-US" smtClean="0"/>
               <a:pPr/>
-              <a:t>9/18/2006</a:t>
+              <a:t>20/12/2017</a:t>
             </a:fld>
             <a:endParaRPr lang="en-US"/>
           </a:p>
@@ -2005,6 +2149,13 @@
   <p:clrMapOvr>
     <a:masterClrMapping/>
   </p:clrMapOvr>
+  <p:timing>
+    <p:tnLst>
+      <p:par>
+        <p:cTn id="1" dur="indefinite" restart="never" nodeType="tmRoot"/>
+      </p:par>
+    </p:tnLst>
+  </p:timing>
 </p:sldLayout>
 </file>
 
@@ -2027,38 +2178,6 @@
       </p:grpSpPr>
       <p:sp>
         <p:nvSpPr>
-          <p:cNvPr id="2" name="Title 1"/>
-          <p:cNvSpPr>
-            <a:spLocks noGrp="1"/>
-          </p:cNvSpPr>
-          <p:nvPr>
-            <p:ph type="title"/>
-          </p:nvPr>
-        </p:nvSpPr>
-        <p:spPr>
-          <a:xfrm>
-            <a:off x="457200" y="273050"/>
-            <a:ext cx="3008313" cy="1162050"/>
-          </a:xfrm>
-        </p:spPr>
-        <p:txBody>
-          <a:bodyPr anchor="b"/>
-          <a:lstStyle>
-            <a:lvl1pPr algn="l">
-              <a:defRPr sz="2000" b="1"/>
-            </a:lvl1pPr>
-          </a:lstStyle>
-          <a:p>
-            <a:r>
-              <a:rPr lang="en-US" smtClean="0"/>
-              <a:t>Click to edit Master title style</a:t>
-            </a:r>
-            <a:endParaRPr lang="en-US"/>
-          </a:p>
-        </p:txBody>
-      </p:sp>
-      <p:sp>
-        <p:nvSpPr>
           <p:cNvPr id="3" name="Content Placeholder 2"/>
           <p:cNvSpPr>
             <a:spLocks noGrp="1"/>
@@ -2069,27 +2188,29 @@
         </p:nvSpPr>
         <p:spPr>
           <a:xfrm>
-            <a:off x="3575050" y="273050"/>
-            <a:ext cx="5111750" cy="5853113"/>
+            <a:off x="4489450" y="1920876"/>
+            <a:ext cx="3654425" cy="2889249"/>
           </a:xfrm>
         </p:spPr>
         <p:txBody>
-          <a:bodyPr/>
+          <a:bodyPr>
+            <a:normAutofit/>
+          </a:bodyPr>
           <a:lstStyle>
             <a:lvl1pPr>
-              <a:defRPr sz="3200"/>
+              <a:defRPr sz="1800"/>
             </a:lvl1pPr>
             <a:lvl2pPr>
-              <a:defRPr sz="2800"/>
+              <a:defRPr sz="1800"/>
             </a:lvl2pPr>
             <a:lvl3pPr>
-              <a:defRPr sz="2400"/>
+              <a:defRPr sz="1800"/>
             </a:lvl3pPr>
             <a:lvl4pPr>
-              <a:defRPr sz="2000"/>
+              <a:defRPr sz="1800"/>
             </a:lvl4pPr>
             <a:lvl5pPr>
-              <a:defRPr sz="2000"/>
+              <a:defRPr sz="1800"/>
             </a:lvl5pPr>
             <a:lvl6pPr>
               <a:defRPr sz="2000"/>
@@ -2138,7 +2259,41 @@
               <a:rPr lang="en-US" smtClean="0"/>
               <a:t>Fifth level</a:t>
             </a:r>
-            <a:endParaRPr lang="en-US"/>
+            <a:endParaRPr lang="en-US" dirty="0"/>
+          </a:p>
+        </p:txBody>
+      </p:sp>
+      <p:sp>
+        <p:nvSpPr>
+          <p:cNvPr id="2" name="Title 1"/>
+          <p:cNvSpPr>
+            <a:spLocks noGrp="1"/>
+          </p:cNvSpPr>
+          <p:nvPr>
+            <p:ph type="title"/>
+          </p:nvPr>
+        </p:nvSpPr>
+        <p:spPr>
+          <a:xfrm>
+            <a:off x="493776" y="606425"/>
+            <a:ext cx="3629025" cy="1041400"/>
+          </a:xfrm>
+        </p:spPr>
+        <p:txBody>
+          <a:bodyPr anchor="t">
+            <a:normAutofit/>
+          </a:bodyPr>
+          <a:lstStyle>
+            <a:lvl1pPr algn="l">
+              <a:defRPr sz="1800" b="1"/>
+            </a:lvl1pPr>
+          </a:lstStyle>
+          <a:p>
+            <a:r>
+              <a:rPr lang="en-US" smtClean="0"/>
+              <a:t>Click to edit Master title style</a:t>
+            </a:r>
+            <a:endParaRPr lang="en-US" dirty="0"/>
           </a:p>
         </p:txBody>
       </p:sp>
@@ -2154,16 +2309,18 @@
         </p:nvSpPr>
         <p:spPr>
           <a:xfrm>
-            <a:off x="457200" y="1435100"/>
-            <a:ext cx="3008313" cy="4691063"/>
+            <a:off x="495300" y="1920875"/>
+            <a:ext cx="3629025" cy="1812925"/>
           </a:xfrm>
         </p:spPr>
         <p:txBody>
-          <a:bodyPr/>
+          <a:bodyPr>
+            <a:normAutofit/>
+          </a:bodyPr>
           <a:lstStyle>
             <a:lvl1pPr marL="0" indent="0">
               <a:buNone/>
-              <a:defRPr sz="1400"/>
+              <a:defRPr sz="1800"/>
             </a:lvl1pPr>
             <a:lvl2pPr marL="457200" indent="0">
               <a:buNone/>
@@ -2209,7 +2366,7 @@
       </p:sp>
       <p:sp>
         <p:nvSpPr>
-          <p:cNvPr id="5" name="Date Placeholder 4"/>
+          <p:cNvPr id="8" name="Date Placeholder 7"/>
           <p:cNvSpPr>
             <a:spLocks noGrp="1"/>
           </p:cNvSpPr>
@@ -2225,7 +2382,7 @@
             <a:fld id="{1D8BD707-D9CF-40AE-B4C6-C98DA3205C09}" type="datetimeFigureOut">
               <a:rPr lang="en-US" smtClean="0"/>
               <a:pPr/>
-              <a:t>9/18/2006</a:t>
+              <a:t>20/12/2017</a:t>
             </a:fld>
             <a:endParaRPr lang="en-US"/>
           </a:p>
@@ -2233,12 +2390,12 @@
       </p:sp>
       <p:sp>
         <p:nvSpPr>
-          <p:cNvPr id="6" name="Footer Placeholder 5"/>
+          <p:cNvPr id="9" name="Slide Number Placeholder 8"/>
           <p:cNvSpPr>
             <a:spLocks noGrp="1"/>
           </p:cNvSpPr>
           <p:nvPr>
-            <p:ph type="ftr" sz="quarter" idx="11"/>
+            <p:ph type="sldNum" sz="quarter" idx="11"/>
           </p:nvPr>
         </p:nvSpPr>
         <p:spPr/>
@@ -2246,30 +2403,35 @@
           <a:bodyPr/>
           <a:lstStyle/>
           <a:p>
+            <a:fld id="{B6F15528-21DE-4FAA-801E-634DDDAF4B2B}" type="slidenum">
+              <a:rPr lang="en-US" smtClean="0"/>
+              <a:pPr/>
+              <a:t>‹#›</a:t>
+            </a:fld>
             <a:endParaRPr lang="en-US"/>
           </a:p>
         </p:txBody>
       </p:sp>
       <p:sp>
         <p:nvSpPr>
-          <p:cNvPr id="7" name="Slide Number Placeholder 6"/>
+          <p:cNvPr id="10" name="Footer Placeholder 9"/>
           <p:cNvSpPr>
             <a:spLocks noGrp="1"/>
           </p:cNvSpPr>
           <p:nvPr>
-            <p:ph type="sldNum" sz="quarter" idx="12"/>
+            <p:ph type="ftr" sz="quarter" idx="12"/>
           </p:nvPr>
         </p:nvSpPr>
-        <p:spPr/>
+        <p:spPr>
+          <a:xfrm>
+            <a:off x="493776" y="6356350"/>
+            <a:ext cx="5102352" cy="365125"/>
+          </a:xfrm>
+        </p:spPr>
         <p:txBody>
           <a:bodyPr/>
           <a:lstStyle/>
           <a:p>
-            <a:fld id="{B6F15528-21DE-4FAA-801E-634DDDAF4B2B}" type="slidenum">
-              <a:rPr lang="en-US" smtClean="0"/>
-              <a:pPr/>
-              <a:t>‹#›</a:t>
-            </a:fld>
             <a:endParaRPr lang="en-US"/>
           </a:p>
         </p:txBody>
@@ -2279,6 +2441,13 @@
   <p:clrMapOvr>
     <a:masterClrMapping/>
   </p:clrMapOvr>
+  <p:timing>
+    <p:tnLst>
+      <p:par>
+        <p:cTn id="1" dur="indefinite" restart="never" nodeType="tmRoot"/>
+      </p:par>
+    </p:tnLst>
+  </p:timing>
 </p:sldLayout>
 </file>
 
@@ -2311,15 +2480,20 @@
         </p:nvSpPr>
         <p:spPr>
           <a:xfrm>
-            <a:off x="1792288" y="4800600"/>
-            <a:ext cx="5486400" cy="566738"/>
+            <a:off x="493776" y="600074"/>
+            <a:ext cx="2074862" cy="1981201"/>
           </a:xfrm>
+          <a:ln>
+            <a:noFill/>
+          </a:ln>
         </p:spPr>
         <p:txBody>
-          <a:bodyPr anchor="b"/>
+          <a:bodyPr anchor="t">
+            <a:normAutofit/>
+          </a:bodyPr>
           <a:lstStyle>
             <a:lvl1pPr algn="l">
-              <a:defRPr sz="2000" b="1"/>
+              <a:defRPr sz="1800" b="0"/>
             </a:lvl1pPr>
           </a:lstStyle>
           <a:p>
@@ -2327,7 +2501,7 @@
               <a:rPr lang="en-US" smtClean="0"/>
               <a:t>Click to edit Master title style</a:t>
             </a:r>
-            <a:endParaRPr lang="en-US"/>
+            <a:endParaRPr lang="en-US" dirty="0"/>
           </a:p>
         </p:txBody>
       </p:sp>
@@ -2343,8 +2517,8 @@
         </p:nvSpPr>
         <p:spPr>
           <a:xfrm>
-            <a:off x="1792288" y="612775"/>
-            <a:ext cx="5486400" cy="4114800"/>
+            <a:off x="2963862" y="1650999"/>
+            <a:ext cx="5627687" cy="4220765"/>
           </a:xfrm>
         </p:spPr>
         <p:txBody>
@@ -2388,7 +2562,11 @@
             </a:lvl9pPr>
           </a:lstStyle>
           <a:p>
-            <a:endParaRPr lang="en-US"/>
+            <a:r>
+              <a:rPr lang="en-US" smtClean="0"/>
+              <a:t>Click icon to add picture</a:t>
+            </a:r>
+            <a:endParaRPr lang="en-US" dirty="0"/>
           </a:p>
         </p:txBody>
       </p:sp>
@@ -2404,16 +2582,18 @@
         </p:nvSpPr>
         <p:spPr>
           <a:xfrm>
-            <a:off x="1792288" y="5367338"/>
-            <a:ext cx="5486400" cy="804862"/>
+            <a:off x="2963862" y="614363"/>
+            <a:ext cx="3741738" cy="909637"/>
           </a:xfrm>
         </p:spPr>
         <p:txBody>
-          <a:bodyPr/>
+          <a:bodyPr>
+            <a:normAutofit/>
+          </a:bodyPr>
           <a:lstStyle>
             <a:lvl1pPr marL="0" indent="0">
               <a:buNone/>
-              <a:defRPr sz="1400"/>
+              <a:defRPr sz="1800"/>
             </a:lvl1pPr>
             <a:lvl2pPr marL="457200" indent="0">
               <a:buNone/>
@@ -2459,7 +2639,7 @@
       </p:sp>
       <p:sp>
         <p:nvSpPr>
-          <p:cNvPr id="5" name="Date Placeholder 4"/>
+          <p:cNvPr id="8" name="Date Placeholder 7"/>
           <p:cNvSpPr>
             <a:spLocks noGrp="1"/>
           </p:cNvSpPr>
@@ -2475,7 +2655,7 @@
             <a:fld id="{1D8BD707-D9CF-40AE-B4C6-C98DA3205C09}" type="datetimeFigureOut">
               <a:rPr lang="en-US" smtClean="0"/>
               <a:pPr/>
-              <a:t>9/18/2006</a:t>
+              <a:t>20/12/2017</a:t>
             </a:fld>
             <a:endParaRPr lang="en-US"/>
           </a:p>
@@ -2483,12 +2663,12 @@
       </p:sp>
       <p:sp>
         <p:nvSpPr>
-          <p:cNvPr id="6" name="Footer Placeholder 5"/>
+          <p:cNvPr id="9" name="Slide Number Placeholder 8"/>
           <p:cNvSpPr>
             <a:spLocks noGrp="1"/>
           </p:cNvSpPr>
           <p:nvPr>
-            <p:ph type="ftr" sz="quarter" idx="11"/>
+            <p:ph type="sldNum" sz="quarter" idx="11"/>
           </p:nvPr>
         </p:nvSpPr>
         <p:spPr/>
@@ -2496,30 +2676,35 @@
           <a:bodyPr/>
           <a:lstStyle/>
           <a:p>
+            <a:fld id="{B6F15528-21DE-4FAA-801E-634DDDAF4B2B}" type="slidenum">
+              <a:rPr lang="en-US" smtClean="0"/>
+              <a:pPr/>
+              <a:t>‹#›</a:t>
+            </a:fld>
             <a:endParaRPr lang="en-US"/>
           </a:p>
         </p:txBody>
       </p:sp>
       <p:sp>
         <p:nvSpPr>
-          <p:cNvPr id="7" name="Slide Number Placeholder 6"/>
+          <p:cNvPr id="10" name="Footer Placeholder 9"/>
           <p:cNvSpPr>
             <a:spLocks noGrp="1"/>
           </p:cNvSpPr>
           <p:nvPr>
-            <p:ph type="sldNum" sz="quarter" idx="12"/>
+            <p:ph type="ftr" sz="quarter" idx="12"/>
           </p:nvPr>
         </p:nvSpPr>
-        <p:spPr/>
+        <p:spPr>
+          <a:xfrm>
+            <a:off x="493776" y="6356350"/>
+            <a:ext cx="5102352" cy="365125"/>
+          </a:xfrm>
+        </p:spPr>
         <p:txBody>
           <a:bodyPr/>
           <a:lstStyle/>
           <a:p>
-            <a:fld id="{B6F15528-21DE-4FAA-801E-634DDDAF4B2B}" type="slidenum">
-              <a:rPr lang="en-US" smtClean="0"/>
-              <a:pPr/>
-              <a:t>‹#›</a:t>
-            </a:fld>
             <a:endParaRPr lang="en-US"/>
           </a:p>
         </p:txBody>
@@ -2529,6 +2714,13 @@
   <p:clrMapOvr>
     <a:masterClrMapping/>
   </p:clrMapOvr>
+  <p:timing>
+    <p:tnLst>
+      <p:par>
+        <p:cTn id="1" dur="indefinite" restart="never" nodeType="tmRoot"/>
+      </p:par>
+    </p:tnLst>
+  </p:timing>
 </p:sldLayout>
 </file>
 
@@ -2536,8 +2728,8 @@
 <p:sldMaster xmlns:a="http://schemas.openxmlformats.org/drawingml/2006/main" xmlns:r="http://schemas.openxmlformats.org/officeDocument/2006/relationships" xmlns:p="http://schemas.openxmlformats.org/presentationml/2006/main">
   <p:cSld>
     <p:bg>
-      <p:bgRef idx="1001">
-        <a:schemeClr val="bg1"/>
+      <p:bgRef idx="1002">
+        <a:schemeClr val="bg2"/>
       </p:bgRef>
     </p:bg>
     <p:spTree>
@@ -2566,15 +2758,15 @@
         </p:nvSpPr>
         <p:spPr>
           <a:xfrm>
-            <a:off x="457200" y="274638"/>
-            <a:ext cx="8229600" cy="1143000"/>
+            <a:off x="1069848" y="1554480"/>
+            <a:ext cx="2073348" cy="1979466"/>
           </a:xfrm>
           <a:prstGeom prst="rect">
             <a:avLst/>
           </a:prstGeom>
         </p:spPr>
         <p:txBody>
-          <a:bodyPr vert="horz" lIns="91440" tIns="45720" rIns="91440" bIns="45720" rtlCol="0" anchor="ctr">
+          <a:bodyPr vert="horz" lIns="91440" tIns="45720" rIns="91440" bIns="45720" rtlCol="0" anchor="t">
             <a:normAutofit/>
           </a:bodyPr>
           <a:lstStyle/>
@@ -2583,7 +2775,7 @@
               <a:rPr lang="en-US" smtClean="0"/>
               <a:t>Click to edit Master title style</a:t>
             </a:r>
-            <a:endParaRPr lang="en-US"/>
+            <a:endParaRPr lang="en-US" dirty="0"/>
           </a:p>
         </p:txBody>
       </p:sp>
@@ -2599,8 +2791,8 @@
         </p:nvSpPr>
         <p:spPr>
           <a:xfrm>
-            <a:off x="457200" y="1600200"/>
-            <a:ext cx="8229600" cy="4525963"/>
+            <a:off x="3454400" y="1547036"/>
+            <a:ext cx="4222308" cy="3886202"/>
           </a:xfrm>
           <a:prstGeom prst="rect">
             <a:avLst/>
@@ -2645,7 +2837,7 @@
               <a:rPr lang="en-US" smtClean="0"/>
               <a:t>Fifth level</a:t>
             </a:r>
-            <a:endParaRPr lang="en-US"/>
+            <a:endParaRPr lang="en-US" dirty="0"/>
           </a:p>
         </p:txBody>
       </p:sp>
@@ -2661,15 +2853,15 @@
         </p:nvSpPr>
         <p:spPr>
           <a:xfrm>
-            <a:off x="457200" y="6356350"/>
-            <a:ext cx="2133600" cy="365125"/>
+            <a:off x="7162800" y="189468"/>
+            <a:ext cx="1828800" cy="365125"/>
           </a:xfrm>
           <a:prstGeom prst="rect">
             <a:avLst/>
           </a:prstGeom>
         </p:spPr>
         <p:txBody>
-          <a:bodyPr vert="horz" lIns="91440" tIns="45720" rIns="91440" bIns="45720" rtlCol="0" anchor="ctr"/>
+          <a:bodyPr vert="horz" lIns="91440" tIns="45720" rIns="91440" bIns="45720" rtlCol="0" anchor="t"/>
           <a:lstStyle>
             <a:lvl1pPr algn="l">
               <a:defRPr sz="1200">
@@ -2685,7 +2877,7 @@
             <a:fld id="{1D8BD707-D9CF-40AE-B4C6-C98DA3205C09}" type="datetimeFigureOut">
               <a:rPr lang="en-US" smtClean="0"/>
               <a:pPr/>
-              <a:t>9/18/2006</a:t>
+              <a:t>20/12/2017</a:t>
             </a:fld>
             <a:endParaRPr lang="en-US"/>
           </a:p>
@@ -2703,17 +2895,52 @@
         </p:nvSpPr>
         <p:spPr>
           <a:xfrm>
-            <a:off x="3124200" y="6356350"/>
-            <a:ext cx="2895600" cy="365125"/>
+            <a:off x="1069848" y="6356350"/>
+            <a:ext cx="5102352" cy="365125"/>
           </a:xfrm>
           <a:prstGeom prst="rect">
             <a:avLst/>
           </a:prstGeom>
         </p:spPr>
         <p:txBody>
-          <a:bodyPr vert="horz" lIns="91440" tIns="45720" rIns="91440" bIns="45720" rtlCol="0" anchor="ctr"/>
+          <a:bodyPr vert="horz" lIns="91440" tIns="45720" rIns="91440" bIns="45720" rtlCol="0" anchor="t"/>
           <a:lstStyle>
-            <a:lvl1pPr algn="ctr">
+            <a:lvl1pPr algn="l">
+              <a:defRPr sz="1200">
+                <a:solidFill>
+                  <a:schemeClr val="tx1"/>
+                </a:solidFill>
+              </a:defRPr>
+            </a:lvl1pPr>
+          </a:lstStyle>
+          <a:p>
+            <a:endParaRPr lang="en-US"/>
+          </a:p>
+        </p:txBody>
+      </p:sp>
+      <p:sp>
+        <p:nvSpPr>
+          <p:cNvPr id="6" name="Slide Number Placeholder 5"/>
+          <p:cNvSpPr>
+            <a:spLocks noGrp="1"/>
+          </p:cNvSpPr>
+          <p:nvPr>
+            <p:ph type="sldNum" sz="quarter" idx="4"/>
+          </p:nvPr>
+        </p:nvSpPr>
+        <p:spPr>
+          <a:xfrm>
+            <a:off x="7159752" y="6356350"/>
+            <a:ext cx="1137684" cy="365125"/>
+          </a:xfrm>
+          <a:prstGeom prst="rect">
+            <a:avLst/>
+          </a:prstGeom>
+        </p:spPr>
+        <p:txBody>
+          <a:bodyPr vert="horz" lIns="91440" tIns="45720" rIns="91440" bIns="45720" rtlCol="0" anchor="t"/>
+          <a:lstStyle>
+            <a:lvl1pPr algn="l">
               <a:defRPr sz="1200">
                 <a:solidFill>
                   <a:schemeClr val="tx1">
@@ -2724,43 +2951,6 @@
             </a:lvl1pPr>
           </a:lstStyle>
           <a:p>
-            <a:endParaRPr lang="en-US"/>
-          </a:p>
-        </p:txBody>
-      </p:sp>
-      <p:sp>
-        <p:nvSpPr>
-          <p:cNvPr id="6" name="Slide Number Placeholder 5"/>
-          <p:cNvSpPr>
-            <a:spLocks noGrp="1"/>
-          </p:cNvSpPr>
-          <p:nvPr>
-            <p:ph type="sldNum" sz="quarter" idx="4"/>
-          </p:nvPr>
-        </p:nvSpPr>
-        <p:spPr>
-          <a:xfrm>
-            <a:off x="6553200" y="6356350"/>
-            <a:ext cx="2133600" cy="365125"/>
-          </a:xfrm>
-          <a:prstGeom prst="rect">
-            <a:avLst/>
-          </a:prstGeom>
-        </p:spPr>
-        <p:txBody>
-          <a:bodyPr vert="horz" lIns="91440" tIns="45720" rIns="91440" bIns="45720" rtlCol="0" anchor="ctr"/>
-          <a:lstStyle>
-            <a:lvl1pPr algn="r">
-              <a:defRPr sz="1200">
-                <a:solidFill>
-                  <a:schemeClr val="tx1">
-                    <a:tint val="75000"/>
-                  </a:schemeClr>
-                </a:solidFill>
-              </a:defRPr>
-            </a:lvl1pPr>
-          </a:lstStyle>
-          <a:p>
             <a:fld id="{B6F15528-21DE-4FAA-801E-634DDDAF4B2B}" type="slidenum">
               <a:rPr lang="en-US" smtClean="0"/>
               <a:pPr/>
@@ -2772,28 +2962,35 @@
       </p:sp>
     </p:spTree>
   </p:cSld>
-  <p:clrMap bg1="lt1" tx1="dk1" bg2="lt2" tx2="dk2" accent1="accent1" accent2="accent2" accent3="accent3" accent4="accent4" accent5="accent5" accent6="accent6" hlink="hlink" folHlink="folHlink"/>
+  <p:clrMap bg1="dk1" tx1="lt1" bg2="dk2" tx2="lt2" accent1="accent1" accent2="accent2" accent3="accent3" accent4="accent4" accent5="accent5" accent6="accent6" hlink="hlink" folHlink="folHlink"/>
   <p:sldLayoutIdLst>
-    <p:sldLayoutId id="2147483649" r:id="rId1"/>
-    <p:sldLayoutId id="2147483650" r:id="rId2"/>
-    <p:sldLayoutId id="2147483651" r:id="rId3"/>
-    <p:sldLayoutId id="2147483652" r:id="rId4"/>
-    <p:sldLayoutId id="2147483653" r:id="rId5"/>
-    <p:sldLayoutId id="2147483654" r:id="rId6"/>
-    <p:sldLayoutId id="2147483655" r:id="rId7"/>
-    <p:sldLayoutId id="2147483656" r:id="rId8"/>
-    <p:sldLayoutId id="2147483657" r:id="rId9"/>
-    <p:sldLayoutId id="2147483658" r:id="rId10"/>
-    <p:sldLayoutId id="2147483659" r:id="rId11"/>
+    <p:sldLayoutId id="2147483673" r:id="rId1"/>
+    <p:sldLayoutId id="2147483674" r:id="rId2"/>
+    <p:sldLayoutId id="2147483675" r:id="rId3"/>
+    <p:sldLayoutId id="2147483676" r:id="rId4"/>
+    <p:sldLayoutId id="2147483677" r:id="rId5"/>
+    <p:sldLayoutId id="2147483678" r:id="rId6"/>
+    <p:sldLayoutId id="2147483679" r:id="rId7"/>
+    <p:sldLayoutId id="2147483680" r:id="rId8"/>
+    <p:sldLayoutId id="2147483681" r:id="rId9"/>
+    <p:sldLayoutId id="2147483682" r:id="rId10"/>
+    <p:sldLayoutId id="2147483683" r:id="rId11"/>
   </p:sldLayoutIdLst>
+  <p:timing>
+    <p:tnLst>
+      <p:par>
+        <p:cTn id="1" dur="indefinite" restart="never" nodeType="tmRoot"/>
+      </p:par>
+    </p:tnLst>
+  </p:timing>
   <p:txStyles>
     <p:titleStyle>
-      <a:lvl1pPr algn="ctr" defTabSz="914400" rtl="0" eaLnBrk="1" latinLnBrk="0" hangingPunct="1">
+      <a:lvl1pPr algn="l" defTabSz="914400" rtl="0" eaLnBrk="1" latinLnBrk="0" hangingPunct="1">
         <a:spcBef>
           <a:spcPct val="0"/>
         </a:spcBef>
         <a:buNone/>
-        <a:defRPr sz="4400" kern="1200">
+        <a:defRPr sz="1800" kern="1200" cap="all" baseline="0">
           <a:solidFill>
             <a:schemeClr val="tx1"/>
           </a:solidFill>
@@ -2802,15 +2999,71 @@
           <a:cs typeface="+mj-cs"/>
         </a:defRPr>
       </a:lvl1pPr>
+      <a:lvl2pPr eaLnBrk="1" hangingPunct="1">
+        <a:defRPr>
+          <a:solidFill>
+            <a:schemeClr val="tx2"/>
+          </a:solidFill>
+        </a:defRPr>
+      </a:lvl2pPr>
+      <a:lvl3pPr eaLnBrk="1" hangingPunct="1">
+        <a:defRPr>
+          <a:solidFill>
+            <a:schemeClr val="tx2"/>
+          </a:solidFill>
+        </a:defRPr>
+      </a:lvl3pPr>
+      <a:lvl4pPr eaLnBrk="1" hangingPunct="1">
+        <a:defRPr>
+          <a:solidFill>
+            <a:schemeClr val="tx2"/>
+          </a:solidFill>
+        </a:defRPr>
+      </a:lvl4pPr>
+      <a:lvl5pPr eaLnBrk="1" hangingPunct="1">
+        <a:defRPr>
+          <a:solidFill>
+            <a:schemeClr val="tx2"/>
+          </a:solidFill>
+        </a:defRPr>
+      </a:lvl5pPr>
+      <a:lvl6pPr eaLnBrk="1" hangingPunct="1">
+        <a:defRPr>
+          <a:solidFill>
+            <a:schemeClr val="tx2"/>
+          </a:solidFill>
+        </a:defRPr>
+      </a:lvl6pPr>
+      <a:lvl7pPr eaLnBrk="1" hangingPunct="1">
+        <a:defRPr>
+          <a:solidFill>
+            <a:schemeClr val="tx2"/>
+          </a:solidFill>
+        </a:defRPr>
+      </a:lvl7pPr>
+      <a:lvl8pPr eaLnBrk="1" hangingPunct="1">
+        <a:defRPr>
+          <a:solidFill>
+            <a:schemeClr val="tx2"/>
+          </a:solidFill>
+        </a:defRPr>
+      </a:lvl8pPr>
+      <a:lvl9pPr eaLnBrk="1" hangingPunct="1">
+        <a:defRPr>
+          <a:solidFill>
+            <a:schemeClr val="tx2"/>
+          </a:solidFill>
+        </a:defRPr>
+      </a:lvl9pPr>
     </p:titleStyle>
     <p:bodyStyle>
-      <a:lvl1pPr marL="342900" indent="-342900" algn="l" defTabSz="914400" rtl="0" eaLnBrk="1" latinLnBrk="0" hangingPunct="1">
+      <a:lvl1pPr marL="274320" indent="-274320" algn="l" defTabSz="914400" rtl="0" eaLnBrk="1" latinLnBrk="0" hangingPunct="1">
         <a:spcBef>
           <a:spcPct val="20000"/>
         </a:spcBef>
         <a:buFont typeface="Arial" pitchFamily="34" charset="0"/>
         <a:buChar char="•"/>
-        <a:defRPr sz="3200" kern="1200">
+        <a:defRPr sz="1800" i="1" kern="1200">
           <a:solidFill>
             <a:schemeClr val="tx1"/>
           </a:solidFill>
@@ -2825,7 +3078,7 @@
         </a:spcBef>
         <a:buFont typeface="Arial" pitchFamily="34" charset="0"/>
         <a:buChar char="–"/>
-        <a:defRPr sz="2800" kern="1200">
+        <a:defRPr sz="1800" i="1" kern="1200">
           <a:solidFill>
             <a:schemeClr val="tx1"/>
           </a:solidFill>
@@ -2840,7 +3093,7 @@
         </a:spcBef>
         <a:buFont typeface="Arial" pitchFamily="34" charset="0"/>
         <a:buChar char="•"/>
-        <a:defRPr sz="2400" kern="1200">
+        <a:defRPr sz="1800" i="1" kern="1200">
           <a:solidFill>
             <a:schemeClr val="tx1"/>
           </a:solidFill>
@@ -2855,7 +3108,7 @@
         </a:spcBef>
         <a:buFont typeface="Arial" pitchFamily="34" charset="0"/>
         <a:buChar char="–"/>
-        <a:defRPr sz="2000" kern="1200">
+        <a:defRPr sz="1800" i="1" kern="1200">
           <a:solidFill>
             <a:schemeClr val="tx1"/>
           </a:solidFill>
@@ -2870,7 +3123,7 @@
         </a:spcBef>
         <a:buFont typeface="Arial" pitchFamily="34" charset="0"/>
         <a:buChar char="»"/>
-        <a:defRPr sz="2000" kern="1200">
+        <a:defRPr sz="1800" i="1" kern="1200">
           <a:solidFill>
             <a:schemeClr val="tx1"/>
           </a:solidFill>
@@ -2885,7 +3138,7 @@
         </a:spcBef>
         <a:buFont typeface="Arial" pitchFamily="34" charset="0"/>
         <a:buChar char="•"/>
-        <a:defRPr sz="2000" kern="1200">
+        <a:defRPr sz="1800" i="1" kern="1200">
           <a:solidFill>
             <a:schemeClr val="tx1"/>
           </a:solidFill>
@@ -2900,7 +3153,7 @@
         </a:spcBef>
         <a:buFont typeface="Arial" pitchFamily="34" charset="0"/>
         <a:buChar char="•"/>
-        <a:defRPr sz="2000" kern="1200">
+        <a:defRPr sz="1800" i="1" kern="1200">
           <a:solidFill>
             <a:schemeClr val="tx1"/>
           </a:solidFill>
@@ -2915,7 +3168,7 @@
         </a:spcBef>
         <a:buFont typeface="Arial" pitchFamily="34" charset="0"/>
         <a:buChar char="•"/>
-        <a:defRPr sz="2000" kern="1200">
+        <a:defRPr sz="1800" i="1" kern="1200">
           <a:solidFill>
             <a:schemeClr val="tx1"/>
           </a:solidFill>
@@ -2930,7 +3183,7 @@
         </a:spcBef>
         <a:buFont typeface="Arial" pitchFamily="34" charset="0"/>
         <a:buChar char="•"/>
-        <a:defRPr sz="2000" kern="1200">
+        <a:defRPr sz="1800" kern="1200">
           <a:solidFill>
             <a:schemeClr val="tx1"/>
           </a:solidFill>
@@ -3039,59 +3292,2809 @@
 </p:sldMaster>
 </file>
 
+<file path=ppt/slides/slide1.xml><?xml version="1.0" encoding="utf-8"?>
+<p:sld xmlns:a="http://schemas.openxmlformats.org/drawingml/2006/main" xmlns:r="http://schemas.openxmlformats.org/officeDocument/2006/relationships" xmlns:p="http://schemas.openxmlformats.org/presentationml/2006/main">
+  <p:cSld>
+    <p:spTree>
+      <p:nvGrpSpPr>
+        <p:cNvPr id="1" name=""/>
+        <p:cNvGrpSpPr/>
+        <p:nvPr/>
+      </p:nvGrpSpPr>
+      <p:grpSpPr>
+        <a:xfrm>
+          <a:off x="0" y="0"/>
+          <a:ext cx="0" cy="0"/>
+          <a:chOff x="0" y="0"/>
+          <a:chExt cx="0" cy="0"/>
+        </a:xfrm>
+      </p:grpSpPr>
+      <p:sp>
+        <p:nvSpPr>
+          <p:cNvPr id="4" name="Rectangle 3"/>
+          <p:cNvSpPr/>
+          <p:nvPr/>
+        </p:nvSpPr>
+        <p:spPr>
+          <a:xfrm>
+            <a:off x="1066800" y="457200"/>
+            <a:ext cx="7010400" cy="584775"/>
+          </a:xfrm>
+          <a:prstGeom prst="rect">
+            <a:avLst/>
+          </a:prstGeom>
+        </p:spPr>
+        <p:txBody>
+          <a:bodyPr wrap="square">
+            <a:spAutoFit/>
+          </a:bodyPr>
+          <a:lstStyle/>
+          <a:p>
+            <a:pPr algn="ctr"/>
+            <a:r>
+              <a:rPr lang="en-US" sz="3200" b="1" dirty="0">
+                <a:latin typeface="Cambria" pitchFamily="18" charset="0"/>
+              </a:rPr>
+              <a:t>Introduction to UNIX &amp; LINUX</a:t>
+            </a:r>
+          </a:p>
+        </p:txBody>
+      </p:sp>
+      <p:sp>
+        <p:nvSpPr>
+          <p:cNvPr id="5" name="Rectangle 4"/>
+          <p:cNvSpPr/>
+          <p:nvPr/>
+        </p:nvSpPr>
+        <p:spPr>
+          <a:xfrm>
+            <a:off x="762000" y="1767006"/>
+            <a:ext cx="8075335" cy="4524315"/>
+          </a:xfrm>
+          <a:prstGeom prst="rect">
+            <a:avLst/>
+          </a:prstGeom>
+        </p:spPr>
+        <p:txBody>
+          <a:bodyPr wrap="square">
+            <a:spAutoFit/>
+          </a:bodyPr>
+          <a:lstStyle/>
+          <a:p>
+            <a:pPr marL="285750" indent="-285750">
+              <a:buFont typeface="Arial" pitchFamily="34" charset="0"/>
+              <a:buChar char="•"/>
+            </a:pPr>
+            <a:r>
+              <a:rPr lang="en-US" sz="2400" dirty="0"/>
+              <a:t>History of UNIX and </a:t>
+            </a:r>
+            <a:r>
+              <a:rPr lang="en-US" sz="2400" dirty="0" smtClean="0"/>
+              <a:t>LINUX.</a:t>
+            </a:r>
+          </a:p>
+          <a:p>
+            <a:endParaRPr lang="en-US" sz="2400" dirty="0" smtClean="0"/>
+          </a:p>
+          <a:p>
+            <a:pPr marL="285750" indent="-285750">
+              <a:buFont typeface="Arial" pitchFamily="34" charset="0"/>
+              <a:buChar char="•"/>
+            </a:pPr>
+            <a:r>
+              <a:rPr lang="en-US" sz="2400" dirty="0"/>
+              <a:t>Basic concepts of Operating System, </a:t>
+            </a:r>
+            <a:endParaRPr lang="en-US" sz="2400" dirty="0" smtClean="0"/>
+          </a:p>
+          <a:p>
+            <a:r>
+              <a:rPr lang="en-US" sz="2400" dirty="0"/>
+              <a:t> </a:t>
+            </a:r>
+            <a:r>
+              <a:rPr lang="en-US" sz="2400" dirty="0" smtClean="0"/>
+              <a:t>    Kernel</a:t>
+            </a:r>
+            <a:r>
+              <a:rPr lang="en-US" sz="2400" dirty="0"/>
+              <a:t>, Shell &amp; File System </a:t>
+            </a:r>
+            <a:r>
+              <a:rPr lang="en-US" sz="2400" dirty="0" smtClean="0"/>
+              <a:t>structure.</a:t>
+            </a:r>
+          </a:p>
+          <a:p>
+            <a:endParaRPr lang="en-US" sz="2400" dirty="0" smtClean="0"/>
+          </a:p>
+          <a:p>
+            <a:pPr marL="285750" indent="-285750">
+              <a:buFont typeface="Arial" pitchFamily="34" charset="0"/>
+              <a:buChar char="•"/>
+            </a:pPr>
+            <a:r>
+              <a:rPr lang="en-US" sz="2400" dirty="0"/>
+              <a:t>Basic concepts of </a:t>
+            </a:r>
+            <a:r>
+              <a:rPr lang="en-US" sz="2400" dirty="0" smtClean="0"/>
+              <a:t>Linux</a:t>
+            </a:r>
+          </a:p>
+          <a:p>
+            <a:pPr marL="285750" indent="-285750">
+              <a:buFont typeface="Arial" pitchFamily="34" charset="0"/>
+              <a:buChar char="•"/>
+            </a:pPr>
+            <a:endParaRPr lang="en-US" sz="2400" dirty="0" smtClean="0"/>
+          </a:p>
+          <a:p>
+            <a:pPr marL="285750" indent="-285750">
+              <a:buFont typeface="Arial" pitchFamily="34" charset="0"/>
+              <a:buChar char="•"/>
+            </a:pPr>
+            <a:r>
+              <a:rPr lang="en-US" sz="2400" dirty="0"/>
+              <a:t>Differences between </a:t>
+            </a:r>
+            <a:r>
+              <a:rPr lang="en-US" sz="2400" dirty="0" err="1"/>
+              <a:t>CentOS</a:t>
+            </a:r>
+            <a:r>
+              <a:rPr lang="en-US" sz="2400" dirty="0"/>
+              <a:t>, Red Hat </a:t>
+            </a:r>
+            <a:endParaRPr lang="en-US" sz="2400" dirty="0" smtClean="0"/>
+          </a:p>
+          <a:p>
+            <a:r>
+              <a:rPr lang="en-US" sz="2400" dirty="0"/>
+              <a:t> </a:t>
+            </a:r>
+            <a:r>
+              <a:rPr lang="en-US" sz="2400" dirty="0" smtClean="0"/>
+              <a:t>    Enterprise </a:t>
+            </a:r>
+            <a:r>
+              <a:rPr lang="en-US" sz="2400" dirty="0"/>
+              <a:t>Linux &amp; </a:t>
+            </a:r>
+            <a:r>
+              <a:rPr lang="en-US" sz="2400" dirty="0" smtClean="0"/>
+              <a:t>Fedora.</a:t>
+            </a:r>
+          </a:p>
+          <a:p>
+            <a:endParaRPr lang="en-US" sz="2400" dirty="0" smtClean="0"/>
+          </a:p>
+          <a:p>
+            <a:pPr marL="285750" indent="-285750">
+              <a:buFont typeface="Arial" pitchFamily="34" charset="0"/>
+              <a:buChar char="•"/>
+            </a:pPr>
+            <a:r>
+              <a:rPr lang="en-US" sz="2400" dirty="0"/>
+              <a:t>Basic commands of </a:t>
+            </a:r>
+            <a:r>
+              <a:rPr lang="en-US" sz="2400" dirty="0" smtClean="0"/>
+              <a:t>Linux.</a:t>
+            </a:r>
+          </a:p>
+          <a:p>
+            <a:pPr marL="285750" indent="-285750">
+              <a:buFont typeface="Arial" pitchFamily="34" charset="0"/>
+              <a:buChar char="•"/>
+            </a:pPr>
+            <a:endParaRPr lang="en-US" sz="2400" dirty="0"/>
+          </a:p>
+        </p:txBody>
+      </p:sp>
+    </p:spTree>
+    <p:extLst>
+      <p:ext uri="{BB962C8B-B14F-4D97-AF65-F5344CB8AC3E}">
+        <p14:creationId xmlns:p14="http://schemas.microsoft.com/office/powerpoint/2010/main" val="2400537720"/>
+      </p:ext>
+    </p:extLst>
+  </p:cSld>
+  <p:clrMapOvr>
+    <a:masterClrMapping/>
+  </p:clrMapOvr>
+  <p:timing>
+    <p:tnLst>
+      <p:par>
+        <p:cTn id="1" dur="indefinite" restart="never" nodeType="tmRoot"/>
+      </p:par>
+    </p:tnLst>
+  </p:timing>
+</p:sld>
+</file>
+
+<file path=ppt/slides/slide10.xml><?xml version="1.0" encoding="utf-8"?>
+<p:sld xmlns:a="http://schemas.openxmlformats.org/drawingml/2006/main" xmlns:r="http://schemas.openxmlformats.org/officeDocument/2006/relationships" xmlns:p="http://schemas.openxmlformats.org/presentationml/2006/main">
+  <p:cSld>
+    <p:spTree>
+      <p:nvGrpSpPr>
+        <p:cNvPr id="1" name=""/>
+        <p:cNvGrpSpPr/>
+        <p:nvPr/>
+      </p:nvGrpSpPr>
+      <p:grpSpPr>
+        <a:xfrm>
+          <a:off x="0" y="0"/>
+          <a:ext cx="0" cy="0"/>
+          <a:chOff x="0" y="0"/>
+          <a:chExt cx="0" cy="0"/>
+        </a:xfrm>
+      </p:grpSpPr>
+      <p:sp>
+        <p:nvSpPr>
+          <p:cNvPr id="4" name="Rectangle 3"/>
+          <p:cNvSpPr/>
+          <p:nvPr/>
+        </p:nvSpPr>
+        <p:spPr>
+          <a:xfrm>
+            <a:off x="1066800" y="253425"/>
+            <a:ext cx="7010400" cy="584775"/>
+          </a:xfrm>
+          <a:prstGeom prst="rect">
+            <a:avLst/>
+          </a:prstGeom>
+        </p:spPr>
+        <p:txBody>
+          <a:bodyPr wrap="square">
+            <a:spAutoFit/>
+          </a:bodyPr>
+          <a:lstStyle/>
+          <a:p>
+            <a:pPr algn="ctr"/>
+            <a:r>
+              <a:rPr lang="en-US" sz="3200" b="1" dirty="0">
+                <a:latin typeface="Cambria" pitchFamily="18" charset="0"/>
+              </a:rPr>
+              <a:t>Basic commands of Linux</a:t>
+            </a:r>
+          </a:p>
+        </p:txBody>
+      </p:sp>
+      <p:sp>
+        <p:nvSpPr>
+          <p:cNvPr id="3" name="Rectangle 2"/>
+          <p:cNvSpPr/>
+          <p:nvPr/>
+        </p:nvSpPr>
+        <p:spPr>
+          <a:xfrm>
+            <a:off x="533400" y="1066800"/>
+            <a:ext cx="8153400" cy="6186309"/>
+          </a:xfrm>
+          <a:prstGeom prst="rect">
+            <a:avLst/>
+          </a:prstGeom>
+        </p:spPr>
+        <p:txBody>
+          <a:bodyPr wrap="square">
+            <a:spAutoFit/>
+          </a:bodyPr>
+          <a:lstStyle/>
+          <a:p>
+            <a:pPr marL="285750" indent="-285750" algn="just">
+              <a:buFont typeface="Arial" pitchFamily="34" charset="0"/>
+              <a:buChar char="•"/>
+            </a:pPr>
+            <a:r>
+              <a:rPr lang="en-US" dirty="0" err="1" smtClean="0"/>
+              <a:t>rm</a:t>
+            </a:r>
+            <a:r>
+              <a:rPr lang="en-US" dirty="0" smtClean="0"/>
+              <a:t> - remove </a:t>
+            </a:r>
+            <a:r>
+              <a:rPr lang="en-US" dirty="0"/>
+              <a:t>files or directories                                      </a:t>
+            </a:r>
+          </a:p>
+          <a:p>
+            <a:pPr algn="just"/>
+            <a:r>
+              <a:rPr lang="en-US" dirty="0" smtClean="0"/>
+              <a:t>	Usage</a:t>
+            </a:r>
+            <a:r>
+              <a:rPr lang="en-US" dirty="0"/>
+              <a:t>: </a:t>
+            </a:r>
+            <a:r>
+              <a:rPr lang="en-US" dirty="0" err="1"/>
+              <a:t>rm</a:t>
+            </a:r>
+            <a:r>
+              <a:rPr lang="en-US" dirty="0"/>
+              <a:t> [OPTION]... FILE...                               </a:t>
+            </a:r>
+          </a:p>
+          <a:p>
+            <a:pPr algn="just"/>
+            <a:r>
+              <a:rPr lang="en-US" dirty="0"/>
+              <a:t>         </a:t>
+            </a:r>
+            <a:r>
+              <a:rPr lang="en-US" dirty="0" smtClean="0"/>
+              <a:t>	</a:t>
+            </a:r>
+            <a:r>
+              <a:rPr lang="en-US" dirty="0" err="1" smtClean="0"/>
+              <a:t>eg</a:t>
+            </a:r>
+            <a:r>
+              <a:rPr lang="en-US" dirty="0"/>
+              <a:t>. </a:t>
+            </a:r>
+            <a:r>
+              <a:rPr lang="en-US" dirty="0" err="1"/>
+              <a:t>rm</a:t>
+            </a:r>
+            <a:r>
+              <a:rPr lang="en-US" dirty="0"/>
+              <a:t> file1.txt , </a:t>
+            </a:r>
+            <a:r>
+              <a:rPr lang="en-US" dirty="0" err="1"/>
+              <a:t>rm</a:t>
+            </a:r>
+            <a:r>
+              <a:rPr lang="en-US" dirty="0"/>
+              <a:t> ­</a:t>
+            </a:r>
+            <a:r>
+              <a:rPr lang="en-US" dirty="0" err="1"/>
+              <a:t>rf</a:t>
+            </a:r>
+            <a:r>
+              <a:rPr lang="en-US" dirty="0"/>
+              <a:t> </a:t>
+            </a:r>
+            <a:r>
+              <a:rPr lang="en-US" dirty="0" err="1"/>
+              <a:t>some_dir</a:t>
+            </a:r>
+            <a:r>
+              <a:rPr lang="en-US" dirty="0"/>
+              <a:t>    </a:t>
+            </a:r>
+          </a:p>
+          <a:p>
+            <a:pPr marL="285750" indent="-285750" algn="just">
+              <a:buFont typeface="Arial" pitchFamily="34" charset="0"/>
+              <a:buChar char="•"/>
+            </a:pPr>
+            <a:endParaRPr lang="en-US" dirty="0" smtClean="0"/>
+          </a:p>
+          <a:p>
+            <a:pPr marL="285750" indent="-285750" algn="just">
+              <a:buFont typeface="Arial" pitchFamily="34" charset="0"/>
+              <a:buChar char="•"/>
+            </a:pPr>
+            <a:r>
+              <a:rPr lang="en-US" dirty="0"/>
+              <a:t>f</a:t>
+            </a:r>
+            <a:r>
+              <a:rPr lang="en-US" dirty="0" smtClean="0"/>
+              <a:t>ind  </a:t>
+            </a:r>
+            <a:r>
+              <a:rPr lang="en-US" dirty="0"/>
+              <a:t>– search for files in a directory hierarchy                 </a:t>
+            </a:r>
+          </a:p>
+          <a:p>
+            <a:pPr lvl="1" algn="just"/>
+            <a:r>
+              <a:rPr lang="en-US" dirty="0" smtClean="0"/>
+              <a:t>	Usage</a:t>
+            </a:r>
+            <a:r>
+              <a:rPr lang="en-US" dirty="0"/>
+              <a:t>: find [OPTION] [path] [pattern]                    </a:t>
+            </a:r>
+          </a:p>
+          <a:p>
+            <a:pPr algn="just"/>
+            <a:r>
+              <a:rPr lang="en-US" dirty="0" smtClean="0"/>
+              <a:t>	</a:t>
+            </a:r>
+            <a:r>
+              <a:rPr lang="en-US" dirty="0" err="1" smtClean="0"/>
+              <a:t>eg</a:t>
+            </a:r>
+            <a:r>
+              <a:rPr lang="en-US" dirty="0"/>
+              <a:t>. find file1.txt, find ­name file1.txt</a:t>
+            </a:r>
+          </a:p>
+          <a:p>
+            <a:pPr algn="just"/>
+            <a:endParaRPr lang="en-US" dirty="0"/>
+          </a:p>
+          <a:p>
+            <a:pPr marL="285750" indent="-285750" algn="just">
+              <a:buFont typeface="Arial" pitchFamily="34" charset="0"/>
+              <a:buChar char="•"/>
+            </a:pPr>
+            <a:r>
+              <a:rPr lang="en-US" dirty="0"/>
+              <a:t>h</a:t>
+            </a:r>
+            <a:r>
+              <a:rPr lang="en-US" dirty="0" smtClean="0"/>
+              <a:t>istory  </a:t>
+            </a:r>
+            <a:r>
+              <a:rPr lang="en-US" dirty="0"/>
+              <a:t>– prints recently used commands                         </a:t>
+            </a:r>
+            <a:endParaRPr lang="en-US" dirty="0" smtClean="0"/>
+          </a:p>
+          <a:p>
+            <a:pPr lvl="1" algn="just"/>
+            <a:r>
+              <a:rPr lang="en-US" dirty="0"/>
+              <a:t>	</a:t>
+            </a:r>
+            <a:r>
+              <a:rPr lang="en-US" dirty="0" smtClean="0"/>
+              <a:t>Usage</a:t>
+            </a:r>
+            <a:r>
+              <a:rPr lang="en-US" dirty="0"/>
+              <a:t>: history </a:t>
+            </a:r>
+            <a:endParaRPr lang="en-US" dirty="0" smtClean="0"/>
+          </a:p>
+          <a:p>
+            <a:endParaRPr lang="en-US" dirty="0"/>
+          </a:p>
+          <a:p>
+            <a:pPr marL="285750" indent="-285750">
+              <a:buFont typeface="Arial" pitchFamily="34" charset="0"/>
+              <a:buChar char="•"/>
+            </a:pPr>
+            <a:r>
+              <a:rPr lang="en-US" dirty="0"/>
+              <a:t>cat </a:t>
+            </a:r>
+            <a:r>
+              <a:rPr lang="en-US" dirty="0" smtClean="0"/>
+              <a:t>–</a:t>
+            </a:r>
+            <a:r>
+              <a:rPr lang="en-US" dirty="0"/>
+              <a:t> </a:t>
+            </a:r>
+            <a:r>
+              <a:rPr lang="en-US" dirty="0" smtClean="0"/>
+              <a:t>concatenate </a:t>
+            </a:r>
+            <a:r>
+              <a:rPr lang="en-US" dirty="0"/>
+              <a:t>files and print on the standard output </a:t>
+            </a:r>
+          </a:p>
+          <a:p>
+            <a:r>
+              <a:rPr lang="en-US" dirty="0" smtClean="0"/>
+              <a:t>	Usage</a:t>
+            </a:r>
+            <a:r>
+              <a:rPr lang="en-US" dirty="0"/>
+              <a:t>: cat [OPTION] [FILE]... </a:t>
+            </a:r>
+          </a:p>
+          <a:p>
+            <a:r>
+              <a:rPr lang="en-US" dirty="0" smtClean="0"/>
+              <a:t>	</a:t>
+            </a:r>
+            <a:r>
+              <a:rPr lang="en-US" dirty="0" err="1" smtClean="0"/>
+              <a:t>eg</a:t>
+            </a:r>
+            <a:r>
+              <a:rPr lang="en-US" dirty="0"/>
+              <a:t>. cat file1.txt file2.txt</a:t>
+            </a:r>
+          </a:p>
+          <a:p>
+            <a:r>
+              <a:rPr lang="en-US" dirty="0" smtClean="0"/>
+              <a:t>	cat </a:t>
+            </a:r>
+            <a:r>
+              <a:rPr lang="en-US" dirty="0"/>
+              <a:t>­n file1.txt </a:t>
+            </a:r>
+            <a:endParaRPr lang="en-US" dirty="0" smtClean="0"/>
+          </a:p>
+          <a:p>
+            <a:endParaRPr lang="en-US" dirty="0"/>
+          </a:p>
+          <a:p>
+            <a:r>
+              <a:rPr lang="en-US" dirty="0" smtClean="0"/>
+              <a:t>• echo</a:t>
+            </a:r>
+            <a:r>
+              <a:rPr lang="en-US" dirty="0"/>
+              <a:t> </a:t>
+            </a:r>
+            <a:r>
+              <a:rPr lang="en-US" dirty="0" smtClean="0"/>
+              <a:t>– </a:t>
+            </a:r>
+            <a:r>
+              <a:rPr lang="en-US" dirty="0"/>
+              <a:t>display a line of text </a:t>
+            </a:r>
+          </a:p>
+          <a:p>
+            <a:r>
+              <a:rPr lang="en-US" dirty="0" smtClean="0"/>
+              <a:t>	Usage</a:t>
+            </a:r>
+            <a:r>
+              <a:rPr lang="en-US" dirty="0"/>
+              <a:t>: echo [OPTION] [string] ... </a:t>
+            </a:r>
+          </a:p>
+          <a:p>
+            <a:r>
+              <a:rPr lang="en-US" dirty="0" smtClean="0"/>
+              <a:t>	</a:t>
+            </a:r>
+            <a:r>
+              <a:rPr lang="en-US" dirty="0" err="1" smtClean="0"/>
+              <a:t>eg</a:t>
+            </a:r>
+            <a:r>
+              <a:rPr lang="en-US" dirty="0"/>
+              <a:t>. echo I love India </a:t>
+            </a:r>
+          </a:p>
+          <a:p>
+            <a:r>
+              <a:rPr lang="en-US" dirty="0" smtClean="0"/>
+              <a:t>	echo </a:t>
+            </a:r>
+            <a:r>
+              <a:rPr lang="en-US" dirty="0"/>
+              <a:t>$HOME</a:t>
+            </a:r>
+          </a:p>
+          <a:p>
+            <a:pPr lvl="1" algn="just"/>
+            <a:endParaRPr lang="en-US" dirty="0" smtClean="0"/>
+          </a:p>
+          <a:p>
+            <a:pPr marL="285750" indent="-285750" algn="just">
+              <a:buFont typeface="Arial" pitchFamily="34" charset="0"/>
+              <a:buChar char="•"/>
+            </a:pPr>
+            <a:endParaRPr lang="en-US" dirty="0"/>
+          </a:p>
+        </p:txBody>
+      </p:sp>
+    </p:spTree>
+    <p:extLst>
+      <p:ext uri="{BB962C8B-B14F-4D97-AF65-F5344CB8AC3E}">
+        <p14:creationId xmlns:p14="http://schemas.microsoft.com/office/powerpoint/2010/main" val="2994184875"/>
+      </p:ext>
+    </p:extLst>
+  </p:cSld>
+  <p:clrMapOvr>
+    <a:masterClrMapping/>
+  </p:clrMapOvr>
+  <p:timing>
+    <p:tnLst>
+      <p:par>
+        <p:cTn id="1" dur="indefinite" restart="never" nodeType="tmRoot"/>
+      </p:par>
+    </p:tnLst>
+  </p:timing>
+</p:sld>
+</file>
+
+<file path=ppt/slides/slide11.xml><?xml version="1.0" encoding="utf-8"?>
+<p:sld xmlns:a="http://schemas.openxmlformats.org/drawingml/2006/main" xmlns:r="http://schemas.openxmlformats.org/officeDocument/2006/relationships" xmlns:p="http://schemas.openxmlformats.org/presentationml/2006/main">
+  <p:cSld>
+    <p:spTree>
+      <p:nvGrpSpPr>
+        <p:cNvPr id="1" name=""/>
+        <p:cNvGrpSpPr/>
+        <p:nvPr/>
+      </p:nvGrpSpPr>
+      <p:grpSpPr>
+        <a:xfrm>
+          <a:off x="0" y="0"/>
+          <a:ext cx="0" cy="0"/>
+          <a:chOff x="0" y="0"/>
+          <a:chExt cx="0" cy="0"/>
+        </a:xfrm>
+      </p:grpSpPr>
+      <p:sp>
+        <p:nvSpPr>
+          <p:cNvPr id="4" name="Rectangle 3"/>
+          <p:cNvSpPr/>
+          <p:nvPr/>
+        </p:nvSpPr>
+        <p:spPr>
+          <a:xfrm>
+            <a:off x="1066800" y="228600"/>
+            <a:ext cx="7010400" cy="584775"/>
+          </a:xfrm>
+          <a:prstGeom prst="rect">
+            <a:avLst/>
+          </a:prstGeom>
+        </p:spPr>
+        <p:txBody>
+          <a:bodyPr wrap="square">
+            <a:spAutoFit/>
+          </a:bodyPr>
+          <a:lstStyle/>
+          <a:p>
+            <a:pPr algn="ctr"/>
+            <a:r>
+              <a:rPr lang="en-US" sz="3200" b="1" dirty="0">
+                <a:latin typeface="Cambria" pitchFamily="18" charset="0"/>
+              </a:rPr>
+              <a:t>Basic commands of Linux</a:t>
+            </a:r>
+          </a:p>
+        </p:txBody>
+      </p:sp>
+      <p:sp>
+        <p:nvSpPr>
+          <p:cNvPr id="3" name="Rectangle 2"/>
+          <p:cNvSpPr/>
+          <p:nvPr/>
+        </p:nvSpPr>
+        <p:spPr>
+          <a:xfrm>
+            <a:off x="533400" y="990600"/>
+            <a:ext cx="8153400" cy="6740307"/>
+          </a:xfrm>
+          <a:prstGeom prst="rect">
+            <a:avLst/>
+          </a:prstGeom>
+        </p:spPr>
+        <p:txBody>
+          <a:bodyPr wrap="square">
+            <a:spAutoFit/>
+          </a:bodyPr>
+          <a:lstStyle/>
+          <a:p>
+            <a:pPr marL="285750" indent="-285750">
+              <a:buFont typeface="Arial" pitchFamily="34" charset="0"/>
+              <a:buChar char="•"/>
+            </a:pPr>
+            <a:r>
+              <a:rPr lang="en-US" dirty="0" err="1"/>
+              <a:t>p</a:t>
+            </a:r>
+            <a:r>
+              <a:rPr lang="en-US" dirty="0" err="1" smtClean="0"/>
+              <a:t>s</a:t>
+            </a:r>
+            <a:r>
+              <a:rPr lang="en-US" dirty="0" smtClean="0"/>
+              <a:t> – </a:t>
+            </a:r>
+            <a:r>
+              <a:rPr lang="en-US" dirty="0"/>
+              <a:t>report a snapshot of the current processes </a:t>
+            </a:r>
+          </a:p>
+          <a:p>
+            <a:r>
+              <a:rPr lang="en-US" dirty="0" smtClean="0"/>
+              <a:t>	Usage</a:t>
+            </a:r>
+            <a:r>
+              <a:rPr lang="en-US" dirty="0"/>
+              <a:t>: </a:t>
+            </a:r>
+            <a:r>
+              <a:rPr lang="en-US" dirty="0" err="1"/>
+              <a:t>ps</a:t>
+            </a:r>
+            <a:r>
+              <a:rPr lang="en-US" dirty="0"/>
+              <a:t> [OPTION] </a:t>
+            </a:r>
+          </a:p>
+          <a:p>
+            <a:r>
+              <a:rPr lang="en-US" dirty="0" smtClean="0"/>
+              <a:t>	</a:t>
+            </a:r>
+            <a:r>
+              <a:rPr lang="en-US" dirty="0" err="1" smtClean="0"/>
+              <a:t>eg</a:t>
+            </a:r>
+            <a:r>
+              <a:rPr lang="en-US" dirty="0"/>
+              <a:t>. </a:t>
+            </a:r>
+            <a:r>
+              <a:rPr lang="en-US" dirty="0" err="1"/>
+              <a:t>ps</a:t>
+            </a:r>
+            <a:r>
+              <a:rPr lang="en-US" dirty="0"/>
+              <a:t>, </a:t>
+            </a:r>
+            <a:r>
+              <a:rPr lang="en-US" dirty="0" err="1"/>
+              <a:t>ps</a:t>
+            </a:r>
+            <a:r>
+              <a:rPr lang="en-US" dirty="0"/>
+              <a:t> ­el </a:t>
+            </a:r>
+          </a:p>
+          <a:p>
+            <a:endParaRPr lang="en-US" dirty="0"/>
+          </a:p>
+          <a:p>
+            <a:pPr marL="285750" indent="-285750">
+              <a:buFont typeface="Arial" pitchFamily="34" charset="0"/>
+              <a:buChar char="•"/>
+            </a:pPr>
+            <a:r>
+              <a:rPr lang="en-US" dirty="0" smtClean="0"/>
+              <a:t>kill – </a:t>
+            </a:r>
+            <a:r>
+              <a:rPr lang="en-US" dirty="0"/>
+              <a:t>to kill a process(using signal mechanism) </a:t>
+            </a:r>
+          </a:p>
+          <a:p>
+            <a:r>
+              <a:rPr lang="en-US" dirty="0" smtClean="0"/>
+              <a:t>	Usage</a:t>
+            </a:r>
+            <a:r>
+              <a:rPr lang="en-US" dirty="0"/>
+              <a:t>: kill [OPTION] </a:t>
+            </a:r>
+            <a:r>
+              <a:rPr lang="en-US" dirty="0" err="1"/>
+              <a:t>pid</a:t>
+            </a:r>
+            <a:r>
+              <a:rPr lang="en-US" dirty="0"/>
+              <a:t> </a:t>
+            </a:r>
+          </a:p>
+          <a:p>
+            <a:r>
+              <a:rPr lang="en-US" dirty="0" smtClean="0"/>
+              <a:t>	</a:t>
+            </a:r>
+            <a:r>
+              <a:rPr lang="en-US" dirty="0" err="1" smtClean="0"/>
+              <a:t>eg</a:t>
+            </a:r>
+            <a:r>
+              <a:rPr lang="en-US" dirty="0"/>
+              <a:t>. kill ­9 </a:t>
+            </a:r>
+            <a:r>
+              <a:rPr lang="en-US" dirty="0" smtClean="0"/>
+              <a:t>2275</a:t>
+            </a:r>
+          </a:p>
+          <a:p>
+            <a:r>
+              <a:rPr lang="en-US" dirty="0" smtClean="0"/>
+              <a:t> </a:t>
+            </a:r>
+          </a:p>
+          <a:p>
+            <a:pPr marL="285750" indent="-285750">
+              <a:buFont typeface="Arial" pitchFamily="34" charset="0"/>
+              <a:buChar char="•"/>
+            </a:pPr>
+            <a:r>
+              <a:rPr lang="en-US" dirty="0"/>
+              <a:t>t</a:t>
+            </a:r>
+            <a:r>
+              <a:rPr lang="en-US" dirty="0" smtClean="0"/>
+              <a:t>ar – </a:t>
+            </a:r>
+            <a:r>
+              <a:rPr lang="en-US" dirty="0"/>
+              <a:t>to archive a file </a:t>
+            </a:r>
+          </a:p>
+          <a:p>
+            <a:r>
+              <a:rPr lang="en-US" dirty="0" smtClean="0"/>
+              <a:t>	Usage</a:t>
+            </a:r>
+            <a:r>
+              <a:rPr lang="en-US" dirty="0"/>
+              <a:t>: tar [OPTION] DEST SOURCE </a:t>
+            </a:r>
+          </a:p>
+          <a:p>
+            <a:r>
+              <a:rPr lang="en-US" dirty="0" smtClean="0"/>
+              <a:t>	</a:t>
+            </a:r>
+            <a:r>
+              <a:rPr lang="en-US" dirty="0" err="1" smtClean="0"/>
+              <a:t>eg</a:t>
+            </a:r>
+            <a:r>
+              <a:rPr lang="en-US" dirty="0"/>
+              <a:t>. tar ­</a:t>
+            </a:r>
+            <a:r>
+              <a:rPr lang="en-US" dirty="0" err="1"/>
+              <a:t>cvf</a:t>
+            </a:r>
+            <a:r>
+              <a:rPr lang="en-US" dirty="0"/>
+              <a:t> /home/archive.tar /home/original </a:t>
+            </a:r>
+          </a:p>
+          <a:p>
+            <a:r>
+              <a:rPr lang="en-US" dirty="0" smtClean="0"/>
+              <a:t>	tar </a:t>
+            </a:r>
+            <a:r>
+              <a:rPr lang="en-US" dirty="0"/>
+              <a:t>­</a:t>
+            </a:r>
+            <a:r>
+              <a:rPr lang="en-US" dirty="0" err="1"/>
+              <a:t>xvf</a:t>
+            </a:r>
+            <a:r>
+              <a:rPr lang="en-US" dirty="0"/>
+              <a:t> /</a:t>
+            </a:r>
+            <a:r>
+              <a:rPr lang="en-US" dirty="0" smtClean="0"/>
+              <a:t>home/archive.tar</a:t>
+            </a:r>
+          </a:p>
+          <a:p>
+            <a:endParaRPr lang="en-US" dirty="0"/>
+          </a:p>
+          <a:p>
+            <a:r>
+              <a:rPr lang="en-US" dirty="0" smtClean="0"/>
+              <a:t>• zip</a:t>
+            </a:r>
+            <a:r>
+              <a:rPr lang="en-US" dirty="0"/>
+              <a:t> </a:t>
+            </a:r>
+            <a:r>
+              <a:rPr lang="en-US" dirty="0" smtClean="0"/>
+              <a:t>– </a:t>
+            </a:r>
+            <a:r>
+              <a:rPr lang="en-US" dirty="0"/>
+              <a:t>package and compress (archive) files </a:t>
+            </a:r>
+          </a:p>
+          <a:p>
+            <a:r>
+              <a:rPr lang="en-US" dirty="0" smtClean="0"/>
+              <a:t>	Usage</a:t>
+            </a:r>
+            <a:r>
+              <a:rPr lang="en-US" dirty="0"/>
+              <a:t>: zip [OPTION] DEST SOURSE </a:t>
+            </a:r>
+          </a:p>
+          <a:p>
+            <a:r>
+              <a:rPr lang="en-US" dirty="0" smtClean="0"/>
+              <a:t>	</a:t>
+            </a:r>
+            <a:r>
+              <a:rPr lang="en-US" dirty="0" err="1" smtClean="0"/>
+              <a:t>eg</a:t>
+            </a:r>
+            <a:r>
+              <a:rPr lang="en-US" dirty="0"/>
+              <a:t>. zip original.zip </a:t>
+            </a:r>
+            <a:r>
+              <a:rPr lang="en-US" dirty="0" smtClean="0"/>
+              <a:t>original</a:t>
+            </a:r>
+          </a:p>
+          <a:p>
+            <a:endParaRPr lang="en-US" dirty="0"/>
+          </a:p>
+          <a:p>
+            <a:r>
+              <a:rPr lang="en-US" dirty="0" smtClean="0"/>
+              <a:t>• unzip</a:t>
+            </a:r>
+            <a:r>
+              <a:rPr lang="en-US" dirty="0"/>
+              <a:t> </a:t>
+            </a:r>
+            <a:r>
+              <a:rPr lang="en-US" dirty="0" smtClean="0"/>
+              <a:t>– </a:t>
+            </a:r>
+            <a:r>
+              <a:rPr lang="en-US" dirty="0"/>
+              <a:t>list, test and extract compressed files in a ZIP archive </a:t>
+            </a:r>
+          </a:p>
+          <a:p>
+            <a:r>
+              <a:rPr lang="en-US" dirty="0" smtClean="0"/>
+              <a:t>	Usage</a:t>
+            </a:r>
+            <a:r>
+              <a:rPr lang="en-US" dirty="0"/>
+              <a:t>: unzip filename</a:t>
+            </a:r>
+          </a:p>
+          <a:p>
+            <a:r>
+              <a:rPr lang="en-US" dirty="0" smtClean="0"/>
+              <a:t>	</a:t>
+            </a:r>
+            <a:r>
+              <a:rPr lang="en-US" dirty="0" err="1" smtClean="0"/>
+              <a:t>eg</a:t>
+            </a:r>
+            <a:r>
+              <a:rPr lang="en-US" dirty="0"/>
+              <a:t>. unzip original.zip</a:t>
+            </a:r>
+          </a:p>
+          <a:p>
+            <a:endParaRPr lang="en-US" dirty="0"/>
+          </a:p>
+          <a:p>
+            <a:pPr marL="285750" indent="-285750" algn="just">
+              <a:buFont typeface="Arial" pitchFamily="34" charset="0"/>
+              <a:buChar char="•"/>
+            </a:pPr>
+            <a:endParaRPr lang="en-US" dirty="0" smtClean="0"/>
+          </a:p>
+          <a:p>
+            <a:pPr lvl="1" algn="just"/>
+            <a:endParaRPr lang="en-US" dirty="0" smtClean="0"/>
+          </a:p>
+          <a:p>
+            <a:pPr marL="285750" indent="-285750" algn="just">
+              <a:buFont typeface="Arial" pitchFamily="34" charset="0"/>
+              <a:buChar char="•"/>
+            </a:pPr>
+            <a:endParaRPr lang="en-US" dirty="0"/>
+          </a:p>
+        </p:txBody>
+      </p:sp>
+    </p:spTree>
+    <p:extLst>
+      <p:ext uri="{BB962C8B-B14F-4D97-AF65-F5344CB8AC3E}">
+        <p14:creationId xmlns:p14="http://schemas.microsoft.com/office/powerpoint/2010/main" val="630474032"/>
+      </p:ext>
+    </p:extLst>
+  </p:cSld>
+  <p:clrMapOvr>
+    <a:masterClrMapping/>
+  </p:clrMapOvr>
+  <p:timing>
+    <p:tnLst>
+      <p:par>
+        <p:cTn id="1" dur="indefinite" restart="never" nodeType="tmRoot"/>
+      </p:par>
+    </p:tnLst>
+  </p:timing>
+</p:sld>
+</file>
+
+<file path=ppt/slides/slide2.xml><?xml version="1.0" encoding="utf-8"?>
+<p:sld xmlns:a="http://schemas.openxmlformats.org/drawingml/2006/main" xmlns:r="http://schemas.openxmlformats.org/officeDocument/2006/relationships" xmlns:p="http://schemas.openxmlformats.org/presentationml/2006/main">
+  <p:cSld>
+    <p:spTree>
+      <p:nvGrpSpPr>
+        <p:cNvPr id="1" name=""/>
+        <p:cNvGrpSpPr/>
+        <p:nvPr/>
+      </p:nvGrpSpPr>
+      <p:grpSpPr>
+        <a:xfrm>
+          <a:off x="0" y="0"/>
+          <a:ext cx="0" cy="0"/>
+          <a:chOff x="0" y="0"/>
+          <a:chExt cx="0" cy="0"/>
+        </a:xfrm>
+      </p:grpSpPr>
+      <p:sp>
+        <p:nvSpPr>
+          <p:cNvPr id="4" name="Rectangle 3"/>
+          <p:cNvSpPr/>
+          <p:nvPr/>
+        </p:nvSpPr>
+        <p:spPr>
+          <a:xfrm>
+            <a:off x="1066800" y="457200"/>
+            <a:ext cx="7010400" cy="584775"/>
+          </a:xfrm>
+          <a:prstGeom prst="rect">
+            <a:avLst/>
+          </a:prstGeom>
+        </p:spPr>
+        <p:txBody>
+          <a:bodyPr wrap="square">
+            <a:spAutoFit/>
+          </a:bodyPr>
+          <a:lstStyle/>
+          <a:p>
+            <a:pPr algn="ctr"/>
+            <a:r>
+              <a:rPr lang="en-US" sz="3200" b="1" dirty="0" smtClean="0">
+                <a:latin typeface="Cambria" pitchFamily="18" charset="0"/>
+              </a:rPr>
+              <a:t>History of UNIX </a:t>
+            </a:r>
+            <a:r>
+              <a:rPr lang="en-US" sz="3200" b="1" dirty="0">
+                <a:latin typeface="Cambria" pitchFamily="18" charset="0"/>
+              </a:rPr>
+              <a:t>&amp; LINUX</a:t>
+            </a:r>
+          </a:p>
+        </p:txBody>
+      </p:sp>
+      <p:sp>
+        <p:nvSpPr>
+          <p:cNvPr id="5" name="Rectangle 4"/>
+          <p:cNvSpPr/>
+          <p:nvPr/>
+        </p:nvSpPr>
+        <p:spPr>
+          <a:xfrm>
+            <a:off x="762000" y="1767006"/>
+            <a:ext cx="8075335" cy="4154984"/>
+          </a:xfrm>
+          <a:prstGeom prst="rect">
+            <a:avLst/>
+          </a:prstGeom>
+        </p:spPr>
+        <p:txBody>
+          <a:bodyPr wrap="square">
+            <a:spAutoFit/>
+          </a:bodyPr>
+          <a:lstStyle/>
+          <a:p>
+            <a:pPr marL="285750" indent="-285750">
+              <a:buFont typeface="Arial" pitchFamily="34" charset="0"/>
+              <a:buChar char="•"/>
+            </a:pPr>
+            <a:r>
+              <a:rPr lang="en-US" sz="2400" dirty="0" smtClean="0"/>
+              <a:t>UNIX </a:t>
+            </a:r>
+            <a:r>
+              <a:rPr lang="en-US" sz="2400" dirty="0"/>
+              <a:t>was developed in 1969 at AT&amp;T Bell </a:t>
+            </a:r>
+            <a:r>
+              <a:rPr lang="en-US" sz="2400" dirty="0" smtClean="0"/>
+              <a:t>Labs.</a:t>
+            </a:r>
+          </a:p>
+          <a:p>
+            <a:pPr marL="285750" indent="-285750">
+              <a:buFont typeface="Arial" pitchFamily="34" charset="0"/>
+              <a:buChar char="•"/>
+            </a:pPr>
+            <a:endParaRPr lang="en-US" sz="2400" dirty="0"/>
+          </a:p>
+          <a:p>
+            <a:pPr marL="285750" indent="-285750">
+              <a:buFont typeface="Arial" pitchFamily="34" charset="0"/>
+              <a:buChar char="•"/>
+            </a:pPr>
+            <a:r>
+              <a:rPr lang="en-US" sz="2400" dirty="0"/>
+              <a:t>Many variants since then: BSD, Solaris, Mac </a:t>
+            </a:r>
+          </a:p>
+          <a:p>
+            <a:r>
+              <a:rPr lang="en-US" sz="2400" dirty="0" smtClean="0"/>
+              <a:t>     OS </a:t>
+            </a:r>
+            <a:r>
+              <a:rPr lang="en-US" sz="2400" dirty="0"/>
+              <a:t>X, Linux </a:t>
+            </a:r>
+            <a:r>
+              <a:rPr lang="en-US" sz="2400" dirty="0" smtClean="0"/>
+              <a:t>.</a:t>
+            </a:r>
+          </a:p>
+          <a:p>
+            <a:endParaRPr lang="en-US" sz="2400" dirty="0"/>
+          </a:p>
+          <a:p>
+            <a:pPr marL="285750" indent="-285750">
+              <a:buFont typeface="Arial" pitchFamily="34" charset="0"/>
+              <a:buChar char="•"/>
+            </a:pPr>
+            <a:r>
+              <a:rPr lang="en-US" sz="2400" dirty="0" smtClean="0"/>
+              <a:t>The </a:t>
+            </a:r>
+            <a:r>
+              <a:rPr lang="en-US" sz="2400" dirty="0"/>
+              <a:t>Linux kernel was first developed in 1991 by </a:t>
+            </a:r>
+          </a:p>
+          <a:p>
+            <a:r>
+              <a:rPr lang="en-US" sz="2400" dirty="0" smtClean="0"/>
+              <a:t>     Linus </a:t>
+            </a:r>
+            <a:r>
+              <a:rPr lang="en-US" sz="2400" dirty="0"/>
+              <a:t>Torvalds, a student at the University of </a:t>
+            </a:r>
+          </a:p>
+          <a:p>
+            <a:r>
+              <a:rPr lang="en-US" sz="2400" dirty="0" smtClean="0"/>
+              <a:t>     Helsinki</a:t>
+            </a:r>
+          </a:p>
+          <a:p>
+            <a:endParaRPr lang="en-US" sz="2400" dirty="0"/>
+          </a:p>
+          <a:p>
+            <a:pPr marL="285750" indent="-285750">
+              <a:buFont typeface="Arial" pitchFamily="34" charset="0"/>
+              <a:buChar char="•"/>
+            </a:pPr>
+            <a:r>
+              <a:rPr lang="en-US" sz="2400" dirty="0"/>
+              <a:t>Linux has been widely adopted for servers and </a:t>
+            </a:r>
+          </a:p>
+          <a:p>
+            <a:r>
+              <a:rPr lang="en-US" sz="2400" dirty="0" smtClean="0"/>
+              <a:t>    HPC </a:t>
+            </a:r>
+            <a:r>
+              <a:rPr lang="en-US" sz="2400" dirty="0"/>
+              <a:t>systems</a:t>
+            </a:r>
+          </a:p>
+        </p:txBody>
+      </p:sp>
+    </p:spTree>
+    <p:extLst>
+      <p:ext uri="{BB962C8B-B14F-4D97-AF65-F5344CB8AC3E}">
+        <p14:creationId xmlns:p14="http://schemas.microsoft.com/office/powerpoint/2010/main" val="634717157"/>
+      </p:ext>
+    </p:extLst>
+  </p:cSld>
+  <p:clrMapOvr>
+    <a:masterClrMapping/>
+  </p:clrMapOvr>
+  <p:timing>
+    <p:tnLst>
+      <p:par>
+        <p:cTn id="1" dur="indefinite" restart="never" nodeType="tmRoot"/>
+      </p:par>
+    </p:tnLst>
+  </p:timing>
+</p:sld>
+</file>
+
+<file path=ppt/slides/slide3.xml><?xml version="1.0" encoding="utf-8"?>
+<p:sld xmlns:a="http://schemas.openxmlformats.org/drawingml/2006/main" xmlns:r="http://schemas.openxmlformats.org/officeDocument/2006/relationships" xmlns:p="http://schemas.openxmlformats.org/presentationml/2006/main">
+  <p:cSld>
+    <p:spTree>
+      <p:nvGrpSpPr>
+        <p:cNvPr id="1" name=""/>
+        <p:cNvGrpSpPr/>
+        <p:nvPr/>
+      </p:nvGrpSpPr>
+      <p:grpSpPr>
+        <a:xfrm>
+          <a:off x="0" y="0"/>
+          <a:ext cx="0" cy="0"/>
+          <a:chOff x="0" y="0"/>
+          <a:chExt cx="0" cy="0"/>
+        </a:xfrm>
+      </p:grpSpPr>
+      <p:sp>
+        <p:nvSpPr>
+          <p:cNvPr id="4" name="Rectangle 3"/>
+          <p:cNvSpPr/>
+          <p:nvPr/>
+        </p:nvSpPr>
+        <p:spPr>
+          <a:xfrm>
+            <a:off x="1066800" y="457200"/>
+            <a:ext cx="7010400" cy="584775"/>
+          </a:xfrm>
+          <a:prstGeom prst="rect">
+            <a:avLst/>
+          </a:prstGeom>
+        </p:spPr>
+        <p:txBody>
+          <a:bodyPr wrap="square">
+            <a:spAutoFit/>
+          </a:bodyPr>
+          <a:lstStyle/>
+          <a:p>
+            <a:pPr algn="ctr"/>
+            <a:r>
+              <a:rPr lang="en-US" sz="3200" b="1" dirty="0">
+                <a:latin typeface="Cambria" pitchFamily="18" charset="0"/>
+              </a:rPr>
+              <a:t>Basic concepts of Operating System</a:t>
+            </a:r>
+          </a:p>
+        </p:txBody>
+      </p:sp>
+      <p:sp>
+        <p:nvSpPr>
+          <p:cNvPr id="5" name="Rectangle 4"/>
+          <p:cNvSpPr/>
+          <p:nvPr/>
+        </p:nvSpPr>
+        <p:spPr>
+          <a:xfrm>
+            <a:off x="762000" y="1447800"/>
+            <a:ext cx="8075335" cy="5324535"/>
+          </a:xfrm>
+          <a:prstGeom prst="rect">
+            <a:avLst/>
+          </a:prstGeom>
+        </p:spPr>
+        <p:txBody>
+          <a:bodyPr wrap="square">
+            <a:spAutoFit/>
+          </a:bodyPr>
+          <a:lstStyle/>
+          <a:p>
+            <a:pPr marL="285750" indent="-285750" algn="just">
+              <a:buFont typeface="Arial" pitchFamily="34" charset="0"/>
+              <a:buChar char="•"/>
+            </a:pPr>
+            <a:r>
+              <a:rPr lang="en-US" sz="2000" dirty="0"/>
+              <a:t>An operating </a:t>
+            </a:r>
+            <a:r>
+              <a:rPr lang="en-US" sz="2000" dirty="0" smtClean="0"/>
+              <a:t>system (OS</a:t>
+            </a:r>
+            <a:r>
+              <a:rPr lang="en-US" sz="2000" dirty="0"/>
+              <a:t>)</a:t>
+            </a:r>
+            <a:r>
+              <a:rPr lang="en-US" sz="2000" dirty="0" smtClean="0"/>
+              <a:t> </a:t>
+            </a:r>
+            <a:r>
+              <a:rPr lang="en-US" sz="2000" dirty="0"/>
+              <a:t>is software that communicates with the hardware and allows other programs to run. It is comprised of system software, or the fundamental files your computer needs to boot up and function. Every desktop computer, tablet, and smartphone includes an operating system that provides basic functionality for the device</a:t>
+            </a:r>
+            <a:r>
+              <a:rPr lang="en-US" sz="2000" dirty="0" smtClean="0"/>
+              <a:t>.</a:t>
+            </a:r>
+          </a:p>
+          <a:p>
+            <a:pPr algn="just"/>
+            <a:endParaRPr lang="en-US" sz="2000" dirty="0" smtClean="0"/>
+          </a:p>
+          <a:p>
+            <a:pPr marL="285750" indent="-285750" algn="just">
+              <a:buFont typeface="Arial" pitchFamily="34" charset="0"/>
+              <a:buChar char="•"/>
+            </a:pPr>
+            <a:r>
+              <a:rPr lang="en-US" sz="2000" dirty="0"/>
+              <a:t>Following are some of important functions of an operating System.</a:t>
+            </a:r>
+          </a:p>
+          <a:p>
+            <a:pPr algn="just"/>
+            <a:r>
+              <a:rPr lang="en-US" dirty="0" smtClean="0"/>
+              <a:t>     	 Memory Management  :</a:t>
+            </a:r>
+            <a:endParaRPr lang="en-US" dirty="0"/>
+          </a:p>
+          <a:p>
+            <a:pPr algn="just"/>
+            <a:r>
+              <a:rPr lang="en-US" dirty="0" smtClean="0"/>
+              <a:t>	 Processor Management  :</a:t>
+            </a:r>
+          </a:p>
+          <a:p>
+            <a:pPr algn="just"/>
+            <a:r>
+              <a:rPr lang="en-US" dirty="0" smtClean="0"/>
+              <a:t>   	 </a:t>
+            </a:r>
+            <a:r>
+              <a:rPr lang="en-US" dirty="0"/>
+              <a:t>Device </a:t>
+            </a:r>
+            <a:r>
+              <a:rPr lang="en-US" dirty="0" smtClean="0"/>
+              <a:t>Management  :</a:t>
+            </a:r>
+            <a:endParaRPr lang="en-US" dirty="0"/>
+          </a:p>
+          <a:p>
+            <a:pPr algn="just"/>
+            <a:r>
+              <a:rPr lang="en-US" dirty="0"/>
+              <a:t>    </a:t>
+            </a:r>
+            <a:r>
+              <a:rPr lang="en-US" dirty="0" smtClean="0"/>
+              <a:t>	 File Management  :</a:t>
+            </a:r>
+            <a:endParaRPr lang="en-US" dirty="0"/>
+          </a:p>
+          <a:p>
+            <a:pPr algn="just"/>
+            <a:r>
+              <a:rPr lang="en-US" dirty="0"/>
+              <a:t>    </a:t>
+            </a:r>
+            <a:r>
+              <a:rPr lang="en-US" dirty="0" smtClean="0"/>
+              <a:t>	 Security  : </a:t>
+            </a:r>
+            <a:endParaRPr lang="en-US" dirty="0"/>
+          </a:p>
+          <a:p>
+            <a:pPr algn="just"/>
+            <a:r>
+              <a:rPr lang="en-US" dirty="0"/>
+              <a:t>   </a:t>
+            </a:r>
+            <a:r>
+              <a:rPr lang="en-US" dirty="0" smtClean="0"/>
+              <a:t>	 </a:t>
+            </a:r>
+            <a:r>
+              <a:rPr lang="en-US" dirty="0"/>
+              <a:t>Control over system </a:t>
+            </a:r>
+            <a:r>
+              <a:rPr lang="en-US" dirty="0" smtClean="0"/>
+              <a:t>performance  :</a:t>
+            </a:r>
+            <a:endParaRPr lang="en-US" dirty="0"/>
+          </a:p>
+          <a:p>
+            <a:pPr algn="just"/>
+            <a:r>
+              <a:rPr lang="en-US" dirty="0" smtClean="0"/>
+              <a:t>   	 </a:t>
+            </a:r>
+            <a:r>
+              <a:rPr lang="en-US" dirty="0"/>
+              <a:t>Job </a:t>
+            </a:r>
+            <a:r>
+              <a:rPr lang="en-US" dirty="0" smtClean="0"/>
+              <a:t>accounting : </a:t>
+            </a:r>
+            <a:endParaRPr lang="en-US" dirty="0"/>
+          </a:p>
+          <a:p>
+            <a:pPr algn="just"/>
+            <a:r>
+              <a:rPr lang="en-US" dirty="0"/>
+              <a:t>   </a:t>
+            </a:r>
+            <a:r>
+              <a:rPr lang="en-US" dirty="0" smtClean="0"/>
+              <a:t>	 </a:t>
+            </a:r>
+            <a:r>
+              <a:rPr lang="en-US" dirty="0"/>
+              <a:t>Error detecting </a:t>
+            </a:r>
+            <a:r>
+              <a:rPr lang="en-US" dirty="0" smtClean="0"/>
+              <a:t>aids  :</a:t>
+            </a:r>
+            <a:endParaRPr lang="en-US" dirty="0"/>
+          </a:p>
+          <a:p>
+            <a:pPr algn="just"/>
+            <a:r>
+              <a:rPr lang="en-US" dirty="0"/>
+              <a:t>    </a:t>
+            </a:r>
+            <a:r>
+              <a:rPr lang="en-US" dirty="0" smtClean="0"/>
+              <a:t>	 Coordination </a:t>
+            </a:r>
+            <a:r>
+              <a:rPr lang="en-US" dirty="0"/>
+              <a:t>between other software and </a:t>
+            </a:r>
+            <a:r>
+              <a:rPr lang="en-US" dirty="0" smtClean="0"/>
+              <a:t>users  :</a:t>
+            </a:r>
+            <a:endParaRPr lang="en-US" dirty="0"/>
+          </a:p>
+          <a:p>
+            <a:pPr marL="285750" indent="-285750" algn="just">
+              <a:buFont typeface="Arial" pitchFamily="34" charset="0"/>
+              <a:buChar char="•"/>
+            </a:pPr>
+            <a:endParaRPr lang="en-US" dirty="0"/>
+          </a:p>
+        </p:txBody>
+      </p:sp>
+    </p:spTree>
+    <p:extLst>
+      <p:ext uri="{BB962C8B-B14F-4D97-AF65-F5344CB8AC3E}">
+        <p14:creationId xmlns:p14="http://schemas.microsoft.com/office/powerpoint/2010/main" val="1424345140"/>
+      </p:ext>
+    </p:extLst>
+  </p:cSld>
+  <p:clrMapOvr>
+    <a:masterClrMapping/>
+  </p:clrMapOvr>
+  <p:timing>
+    <p:tnLst>
+      <p:par>
+        <p:cTn id="1" dur="indefinite" restart="never" nodeType="tmRoot"/>
+      </p:par>
+    </p:tnLst>
+  </p:timing>
+</p:sld>
+</file>
+
+<file path=ppt/slides/slide4.xml><?xml version="1.0" encoding="utf-8"?>
+<p:sld xmlns:a="http://schemas.openxmlformats.org/drawingml/2006/main" xmlns:r="http://schemas.openxmlformats.org/officeDocument/2006/relationships" xmlns:p="http://schemas.openxmlformats.org/presentationml/2006/main">
+  <p:cSld>
+    <p:spTree>
+      <p:nvGrpSpPr>
+        <p:cNvPr id="1" name=""/>
+        <p:cNvGrpSpPr/>
+        <p:nvPr/>
+      </p:nvGrpSpPr>
+      <p:grpSpPr>
+        <a:xfrm>
+          <a:off x="0" y="0"/>
+          <a:ext cx="0" cy="0"/>
+          <a:chOff x="0" y="0"/>
+          <a:chExt cx="0" cy="0"/>
+        </a:xfrm>
+      </p:grpSpPr>
+      <p:sp>
+        <p:nvSpPr>
+          <p:cNvPr id="4" name="Rectangle 3"/>
+          <p:cNvSpPr/>
+          <p:nvPr/>
+        </p:nvSpPr>
+        <p:spPr>
+          <a:xfrm>
+            <a:off x="1066800" y="457200"/>
+            <a:ext cx="7010400" cy="584775"/>
+          </a:xfrm>
+          <a:prstGeom prst="rect">
+            <a:avLst/>
+          </a:prstGeom>
+        </p:spPr>
+        <p:txBody>
+          <a:bodyPr wrap="square">
+            <a:spAutoFit/>
+          </a:bodyPr>
+          <a:lstStyle/>
+          <a:p>
+            <a:pPr algn="ctr"/>
+            <a:r>
+              <a:rPr lang="en-US" sz="3200" b="1" dirty="0">
+                <a:latin typeface="Cambria" pitchFamily="18" charset="0"/>
+              </a:rPr>
+              <a:t>Basic concepts of Operating System</a:t>
+            </a:r>
+          </a:p>
+        </p:txBody>
+      </p:sp>
+      <p:pic>
+        <p:nvPicPr>
+          <p:cNvPr id="1026" name="Picture 2"/>
+          <p:cNvPicPr>
+            <a:picLocks noChangeAspect="1" noChangeArrowheads="1"/>
+          </p:cNvPicPr>
+          <p:nvPr/>
+        </p:nvPicPr>
+        <p:blipFill>
+          <a:blip r:embed="rId2">
+            <a:extLst>
+              <a:ext uri="{28A0092B-C50C-407E-A947-70E740481C1C}">
+                <a14:useLocalDpi xmlns:a14="http://schemas.microsoft.com/office/drawing/2010/main" val="0"/>
+              </a:ext>
+            </a:extLst>
+          </a:blip>
+          <a:srcRect/>
+          <a:stretch>
+            <a:fillRect/>
+          </a:stretch>
+        </p:blipFill>
+        <p:spPr bwMode="auto">
+          <a:xfrm>
+            <a:off x="2142402" y="1447800"/>
+            <a:ext cx="4715597" cy="4880575"/>
+          </a:xfrm>
+          <a:prstGeom prst="rect">
+            <a:avLst/>
+          </a:prstGeom>
+          <a:noFill/>
+          <a:ln>
+            <a:noFill/>
+          </a:ln>
+          <a:effectLst/>
+          <a:extLst>
+            <a:ext uri="{909E8E84-426E-40DD-AFC4-6F175D3DCCD1}">
+              <a14:hiddenFill xmlns:a14="http://schemas.microsoft.com/office/drawing/2010/main">
+                <a:solidFill>
+                  <a:schemeClr val="accent1"/>
+                </a:solidFill>
+              </a14:hiddenFill>
+            </a:ext>
+            <a:ext uri="{91240B29-F687-4F45-9708-019B960494DF}">
+              <a14:hiddenLine xmlns:a14="http://schemas.microsoft.com/office/drawing/2010/main" w="9525">
+                <a:solidFill>
+                  <a:schemeClr val="tx1"/>
+                </a:solidFill>
+                <a:miter lim="800000"/>
+                <a:headEnd/>
+                <a:tailEnd/>
+              </a14:hiddenLine>
+            </a:ext>
+            <a:ext uri="{AF507438-7753-43E0-B8FC-AC1667EBCBE1}">
+              <a14:hiddenEffects xmlns:a14="http://schemas.microsoft.com/office/drawing/2010/main">
+                <a:effectLst>
+                  <a:outerShdw dist="35921" dir="2700000" algn="ctr" rotWithShape="0">
+                    <a:schemeClr val="bg2"/>
+                  </a:outerShdw>
+                </a:effectLst>
+              </a14:hiddenEffects>
+            </a:ext>
+          </a:extLst>
+        </p:spPr>
+      </p:pic>
+    </p:spTree>
+    <p:extLst>
+      <p:ext uri="{BB962C8B-B14F-4D97-AF65-F5344CB8AC3E}">
+        <p14:creationId xmlns:p14="http://schemas.microsoft.com/office/powerpoint/2010/main" val="2672381377"/>
+      </p:ext>
+    </p:extLst>
+  </p:cSld>
+  <p:clrMapOvr>
+    <a:masterClrMapping/>
+  </p:clrMapOvr>
+  <p:timing>
+    <p:tnLst>
+      <p:par>
+        <p:cTn id="1" dur="indefinite" restart="never" nodeType="tmRoot"/>
+      </p:par>
+    </p:tnLst>
+  </p:timing>
+</p:sld>
+</file>
+
+<file path=ppt/slides/slide5.xml><?xml version="1.0" encoding="utf-8"?>
+<p:sld xmlns:a="http://schemas.openxmlformats.org/drawingml/2006/main" xmlns:r="http://schemas.openxmlformats.org/officeDocument/2006/relationships" xmlns:p="http://schemas.openxmlformats.org/presentationml/2006/main">
+  <p:cSld>
+    <p:spTree>
+      <p:nvGrpSpPr>
+        <p:cNvPr id="1" name=""/>
+        <p:cNvGrpSpPr/>
+        <p:nvPr/>
+      </p:nvGrpSpPr>
+      <p:grpSpPr>
+        <a:xfrm>
+          <a:off x="0" y="0"/>
+          <a:ext cx="0" cy="0"/>
+          <a:chOff x="0" y="0"/>
+          <a:chExt cx="0" cy="0"/>
+        </a:xfrm>
+      </p:grpSpPr>
+      <p:sp>
+        <p:nvSpPr>
+          <p:cNvPr id="4" name="Rectangle 3"/>
+          <p:cNvSpPr/>
+          <p:nvPr/>
+        </p:nvSpPr>
+        <p:spPr>
+          <a:xfrm>
+            <a:off x="1066800" y="457200"/>
+            <a:ext cx="7010400" cy="584775"/>
+          </a:xfrm>
+          <a:prstGeom prst="rect">
+            <a:avLst/>
+          </a:prstGeom>
+        </p:spPr>
+        <p:txBody>
+          <a:bodyPr wrap="square">
+            <a:spAutoFit/>
+          </a:bodyPr>
+          <a:lstStyle/>
+          <a:p>
+            <a:pPr algn="ctr"/>
+            <a:r>
+              <a:rPr lang="en-US" sz="3200" b="1" dirty="0">
+                <a:latin typeface="Cambria" pitchFamily="18" charset="0"/>
+              </a:rPr>
+              <a:t>Basic concepts of Operating System</a:t>
+            </a:r>
+          </a:p>
+        </p:txBody>
+      </p:sp>
+      <p:sp>
+        <p:nvSpPr>
+          <p:cNvPr id="3" name="Rectangle 2"/>
+          <p:cNvSpPr/>
+          <p:nvPr/>
+        </p:nvSpPr>
+        <p:spPr>
+          <a:xfrm>
+            <a:off x="533400" y="1447800"/>
+            <a:ext cx="8153400" cy="5047536"/>
+          </a:xfrm>
+          <a:prstGeom prst="rect">
+            <a:avLst/>
+          </a:prstGeom>
+        </p:spPr>
+        <p:txBody>
+          <a:bodyPr wrap="square">
+            <a:spAutoFit/>
+          </a:bodyPr>
+          <a:lstStyle/>
+          <a:p>
+            <a:pPr marL="285750" indent="-285750" algn="just">
+              <a:buFont typeface="Arial" pitchFamily="34" charset="0"/>
+              <a:buChar char="•"/>
+            </a:pPr>
+            <a:r>
+              <a:rPr lang="en-US" sz="2000" dirty="0"/>
+              <a:t>The </a:t>
+            </a:r>
+            <a:r>
+              <a:rPr lang="en-US" sz="2000" b="1" dirty="0"/>
+              <a:t>kernel </a:t>
+            </a:r>
+            <a:r>
+              <a:rPr lang="en-US" sz="2000" dirty="0"/>
+              <a:t>is the central module of an operating system (OS). It is the part of the operating system that loads first, and it remains in main memory. Because it stays in memory, it is important for the kernel to be as small as possible while still providing all the essential services required by other parts of the operating system and applications. The </a:t>
+            </a:r>
+            <a:r>
+              <a:rPr lang="en-US" sz="2000" dirty="0" err="1"/>
+              <a:t>the</a:t>
+            </a:r>
+            <a:r>
+              <a:rPr lang="en-US" sz="2000" dirty="0"/>
+              <a:t> kernel code is usually loaded into a protected area of memory to prevent it from being overwritten by programs or other parts of the operating system</a:t>
+            </a:r>
+            <a:r>
+              <a:rPr lang="en-US" sz="2000" dirty="0" smtClean="0"/>
+              <a:t>.</a:t>
+            </a:r>
+          </a:p>
+          <a:p>
+            <a:pPr marL="285750" indent="-285750" algn="just">
+              <a:buFont typeface="Arial" pitchFamily="34" charset="0"/>
+              <a:buChar char="•"/>
+            </a:pPr>
+            <a:endParaRPr lang="en-US" dirty="0" smtClean="0"/>
+          </a:p>
+          <a:p>
+            <a:pPr marL="285750" indent="-285750" algn="just">
+              <a:buFont typeface="Arial" pitchFamily="34" charset="0"/>
+              <a:buChar char="•"/>
+            </a:pPr>
+            <a:r>
+              <a:rPr lang="en-US" sz="2000" dirty="0"/>
+              <a:t>The main tasks of the kernel are </a:t>
+            </a:r>
+            <a:r>
+              <a:rPr lang="en-US" sz="2000" dirty="0" smtClean="0"/>
+              <a:t>:</a:t>
+            </a:r>
+          </a:p>
+          <a:p>
+            <a:r>
+              <a:rPr lang="en-US" dirty="0" smtClean="0"/>
+              <a:t>	Process management  :</a:t>
+            </a:r>
+            <a:endParaRPr lang="en-US" dirty="0"/>
+          </a:p>
+          <a:p>
+            <a:r>
+              <a:rPr lang="en-US" dirty="0" smtClean="0"/>
+              <a:t>	Device management  :</a:t>
+            </a:r>
+            <a:endParaRPr lang="en-US" dirty="0"/>
+          </a:p>
+          <a:p>
+            <a:r>
+              <a:rPr lang="en-US" dirty="0" smtClean="0"/>
+              <a:t>	Memory management  :</a:t>
+            </a:r>
+            <a:endParaRPr lang="en-US" dirty="0"/>
+          </a:p>
+          <a:p>
+            <a:r>
+              <a:rPr lang="en-US" dirty="0" smtClean="0"/>
+              <a:t>	Interrupt handling  :</a:t>
+            </a:r>
+            <a:endParaRPr lang="en-US" dirty="0"/>
+          </a:p>
+          <a:p>
+            <a:r>
+              <a:rPr lang="en-US" dirty="0" smtClean="0"/>
+              <a:t>	I/O communication  :</a:t>
+            </a:r>
+            <a:endParaRPr lang="en-US" dirty="0"/>
+          </a:p>
+          <a:p>
+            <a:r>
+              <a:rPr lang="en-US" dirty="0" smtClean="0"/>
+              <a:t>	File </a:t>
+            </a:r>
+            <a:r>
+              <a:rPr lang="en-US" dirty="0"/>
+              <a:t>system</a:t>
+            </a:r>
+            <a:r>
+              <a:rPr lang="en-US" dirty="0" smtClean="0"/>
+              <a:t>... etc.</a:t>
+            </a:r>
+            <a:endParaRPr lang="en-US" dirty="0"/>
+          </a:p>
+          <a:p>
+            <a:pPr algn="just"/>
+            <a:endParaRPr lang="en-US" dirty="0"/>
+          </a:p>
+        </p:txBody>
+      </p:sp>
+    </p:spTree>
+    <p:extLst>
+      <p:ext uri="{BB962C8B-B14F-4D97-AF65-F5344CB8AC3E}">
+        <p14:creationId xmlns:p14="http://schemas.microsoft.com/office/powerpoint/2010/main" val="1099148354"/>
+      </p:ext>
+    </p:extLst>
+  </p:cSld>
+  <p:clrMapOvr>
+    <a:masterClrMapping/>
+  </p:clrMapOvr>
+  <p:timing>
+    <p:tnLst>
+      <p:par>
+        <p:cTn id="1" dur="indefinite" restart="never" nodeType="tmRoot"/>
+      </p:par>
+    </p:tnLst>
+  </p:timing>
+</p:sld>
+</file>
+
+<file path=ppt/slides/slide6.xml><?xml version="1.0" encoding="utf-8"?>
+<p:sld xmlns:a="http://schemas.openxmlformats.org/drawingml/2006/main" xmlns:r="http://schemas.openxmlformats.org/officeDocument/2006/relationships" xmlns:p="http://schemas.openxmlformats.org/presentationml/2006/main">
+  <p:cSld>
+    <p:spTree>
+      <p:nvGrpSpPr>
+        <p:cNvPr id="1" name=""/>
+        <p:cNvGrpSpPr/>
+        <p:nvPr/>
+      </p:nvGrpSpPr>
+      <p:grpSpPr>
+        <a:xfrm>
+          <a:off x="0" y="0"/>
+          <a:ext cx="0" cy="0"/>
+          <a:chOff x="0" y="0"/>
+          <a:chExt cx="0" cy="0"/>
+        </a:xfrm>
+      </p:grpSpPr>
+      <p:sp>
+        <p:nvSpPr>
+          <p:cNvPr id="4" name="Rectangle 3"/>
+          <p:cNvSpPr/>
+          <p:nvPr/>
+        </p:nvSpPr>
+        <p:spPr>
+          <a:xfrm>
+            <a:off x="1066800" y="457200"/>
+            <a:ext cx="7010400" cy="584775"/>
+          </a:xfrm>
+          <a:prstGeom prst="rect">
+            <a:avLst/>
+          </a:prstGeom>
+        </p:spPr>
+        <p:txBody>
+          <a:bodyPr wrap="square">
+            <a:spAutoFit/>
+          </a:bodyPr>
+          <a:lstStyle/>
+          <a:p>
+            <a:pPr algn="ctr"/>
+            <a:r>
+              <a:rPr lang="en-US" sz="3200" b="1" dirty="0">
+                <a:latin typeface="Cambria" pitchFamily="18" charset="0"/>
+              </a:rPr>
+              <a:t>Basic concepts of Operating System</a:t>
+            </a:r>
+          </a:p>
+        </p:txBody>
+      </p:sp>
+      <p:sp>
+        <p:nvSpPr>
+          <p:cNvPr id="3" name="Rectangle 2"/>
+          <p:cNvSpPr/>
+          <p:nvPr/>
+        </p:nvSpPr>
+        <p:spPr>
+          <a:xfrm>
+            <a:off x="533400" y="1219200"/>
+            <a:ext cx="8153400" cy="6463308"/>
+          </a:xfrm>
+          <a:prstGeom prst="rect">
+            <a:avLst/>
+          </a:prstGeom>
+        </p:spPr>
+        <p:txBody>
+          <a:bodyPr wrap="square">
+            <a:spAutoFit/>
+          </a:bodyPr>
+          <a:lstStyle/>
+          <a:p>
+            <a:pPr marL="285750" indent="-285750" algn="just">
+              <a:buFont typeface="Arial" pitchFamily="34" charset="0"/>
+              <a:buChar char="•"/>
+            </a:pPr>
+            <a:r>
+              <a:rPr lang="en-US" dirty="0"/>
+              <a:t>In computing, a </a:t>
+            </a:r>
+            <a:r>
+              <a:rPr lang="en-US" b="1" dirty="0"/>
+              <a:t>shell</a:t>
+            </a:r>
+            <a:r>
+              <a:rPr lang="en-US" dirty="0"/>
+              <a:t> is a user interface for access to an operating system's services. In general, operating system shells use either a command-line interface (CLI) or graphical user interface (GUI), depending on a computer's role and particular operation</a:t>
+            </a:r>
+            <a:r>
+              <a:rPr lang="en-US" dirty="0" smtClean="0"/>
+              <a:t>.</a:t>
+            </a:r>
+          </a:p>
+          <a:p>
+            <a:pPr marL="285750" indent="-285750" algn="just">
+              <a:buFont typeface="Arial" pitchFamily="34" charset="0"/>
+              <a:buChar char="•"/>
+            </a:pPr>
+            <a:endParaRPr lang="en-US" dirty="0"/>
+          </a:p>
+          <a:p>
+            <a:pPr marL="285750" indent="-285750" algn="just">
+              <a:buFont typeface="Arial" pitchFamily="34" charset="0"/>
+              <a:buChar char="•"/>
+            </a:pPr>
+            <a:r>
+              <a:rPr lang="en-US" dirty="0" smtClean="0"/>
+              <a:t>The shell is a program that takes command typed </a:t>
+            </a:r>
+            <a:r>
+              <a:rPr lang="en-US" dirty="0" err="1" smtClean="0"/>
+              <a:t>bu</a:t>
+            </a:r>
+            <a:r>
+              <a:rPr lang="en-US" dirty="0" smtClean="0"/>
+              <a:t> the </a:t>
+            </a:r>
+            <a:r>
+              <a:rPr lang="en-US" dirty="0" err="1" smtClean="0"/>
+              <a:t>usaer</a:t>
+            </a:r>
+            <a:r>
+              <a:rPr lang="en-US" dirty="0" smtClean="0"/>
+              <a:t> and calls the operating system to run those command.</a:t>
+            </a:r>
+          </a:p>
+          <a:p>
+            <a:pPr marL="285750" indent="-285750" algn="just">
+              <a:buFont typeface="Arial" pitchFamily="34" charset="0"/>
+              <a:buChar char="•"/>
+            </a:pPr>
+            <a:endParaRPr lang="en-US" dirty="0"/>
+          </a:p>
+          <a:p>
+            <a:pPr marL="285750" indent="-285750" algn="just">
+              <a:buFont typeface="Arial" pitchFamily="34" charset="0"/>
+              <a:buChar char="•"/>
+            </a:pPr>
+            <a:r>
+              <a:rPr lang="en-US" dirty="0" err="1" smtClean="0"/>
+              <a:t>Shelll</a:t>
+            </a:r>
+            <a:r>
+              <a:rPr lang="en-US" dirty="0" smtClean="0"/>
+              <a:t> accepts your instruction or command and translate it into computer binary language.</a:t>
+            </a:r>
+          </a:p>
+          <a:p>
+            <a:pPr marL="285750" indent="-285750" algn="just">
+              <a:buFont typeface="Arial" pitchFamily="34" charset="0"/>
+              <a:buChar char="•"/>
+            </a:pPr>
+            <a:endParaRPr lang="en-US" dirty="0"/>
+          </a:p>
+          <a:p>
+            <a:pPr marL="285750" indent="-285750" algn="just">
+              <a:buFont typeface="Arial" pitchFamily="34" charset="0"/>
+              <a:buChar char="•"/>
+            </a:pPr>
+            <a:r>
+              <a:rPr lang="en-US" dirty="0" smtClean="0"/>
+              <a:t>You can use shell script to automate </a:t>
+            </a:r>
+            <a:r>
+              <a:rPr lang="en-US" dirty="0" err="1" smtClean="0"/>
+              <a:t>admini</a:t>
+            </a:r>
+            <a:r>
+              <a:rPr lang="en-US" dirty="0" smtClean="0"/>
+              <a:t> task.</a:t>
+            </a:r>
+          </a:p>
+          <a:p>
+            <a:pPr marL="285750" indent="-285750" algn="just">
+              <a:buFont typeface="Arial" pitchFamily="34" charset="0"/>
+              <a:buChar char="•"/>
+            </a:pPr>
+            <a:endParaRPr lang="en-US" dirty="0"/>
+          </a:p>
+          <a:p>
+            <a:pPr marL="285750" indent="-285750" algn="just">
+              <a:buFont typeface="Arial" pitchFamily="34" charset="0"/>
+              <a:buChar char="•"/>
+            </a:pPr>
+            <a:r>
+              <a:rPr lang="en-US" dirty="0" smtClean="0"/>
+              <a:t>Kind of Shell :-</a:t>
+            </a:r>
+          </a:p>
+          <a:p>
+            <a:pPr marL="742950" lvl="1" indent="-285750" algn="just">
+              <a:buFont typeface="Arial" pitchFamily="34" charset="0"/>
+              <a:buChar char="•"/>
+            </a:pPr>
+            <a:r>
+              <a:rPr lang="en-US" dirty="0" smtClean="0"/>
+              <a:t>Bourne shell</a:t>
+            </a:r>
+          </a:p>
+          <a:p>
+            <a:pPr marL="742950" lvl="1" indent="-285750" algn="just">
+              <a:buFont typeface="Arial" pitchFamily="34" charset="0"/>
+              <a:buChar char="•"/>
+            </a:pPr>
+            <a:r>
+              <a:rPr lang="en-US" dirty="0" smtClean="0"/>
+              <a:t>C shell</a:t>
+            </a:r>
+          </a:p>
+          <a:p>
+            <a:pPr marL="742950" lvl="1" indent="-285750" algn="just">
+              <a:buFont typeface="Arial" pitchFamily="34" charset="0"/>
+              <a:buChar char="•"/>
+            </a:pPr>
+            <a:r>
+              <a:rPr lang="en-US" dirty="0" err="1" smtClean="0"/>
+              <a:t>Korn</a:t>
+            </a:r>
+            <a:r>
+              <a:rPr lang="en-US" dirty="0" smtClean="0"/>
+              <a:t> shell</a:t>
+            </a:r>
+          </a:p>
+          <a:p>
+            <a:pPr marL="742950" lvl="1" indent="-285750" algn="just">
+              <a:buFont typeface="Arial" pitchFamily="34" charset="0"/>
+              <a:buChar char="•"/>
+            </a:pPr>
+            <a:r>
+              <a:rPr lang="en-US" dirty="0" smtClean="0"/>
+              <a:t>Bash shell</a:t>
+            </a:r>
+          </a:p>
+          <a:p>
+            <a:pPr marL="742950" lvl="1" indent="-285750" algn="just">
+              <a:buFont typeface="Arial" pitchFamily="34" charset="0"/>
+              <a:buChar char="•"/>
+            </a:pPr>
+            <a:r>
+              <a:rPr lang="en-US" dirty="0" err="1" smtClean="0"/>
+              <a:t>Tcsh</a:t>
+            </a:r>
+            <a:r>
+              <a:rPr lang="en-US" dirty="0" smtClean="0"/>
+              <a:t> shell</a:t>
+            </a:r>
+          </a:p>
+          <a:p>
+            <a:pPr marL="285750" indent="-285750" algn="just">
+              <a:buFont typeface="Arial" pitchFamily="34" charset="0"/>
+              <a:buChar char="•"/>
+            </a:pPr>
+            <a:endParaRPr lang="en-US" dirty="0"/>
+          </a:p>
+          <a:p>
+            <a:pPr marL="285750" indent="-285750" algn="just">
+              <a:buFont typeface="Arial" pitchFamily="34" charset="0"/>
+              <a:buChar char="•"/>
+            </a:pPr>
+            <a:endParaRPr lang="en-US" dirty="0"/>
+          </a:p>
+          <a:p>
+            <a:pPr marL="285750" indent="-285750" algn="just">
+              <a:buFont typeface="Arial" pitchFamily="34" charset="0"/>
+              <a:buChar char="•"/>
+            </a:pPr>
+            <a:endParaRPr lang="en-US" dirty="0" smtClean="0"/>
+          </a:p>
+          <a:p>
+            <a:pPr marL="285750" indent="-285750" algn="just">
+              <a:buFont typeface="Arial" pitchFamily="34" charset="0"/>
+              <a:buChar char="•"/>
+            </a:pPr>
+            <a:endParaRPr lang="en-US" dirty="0"/>
+          </a:p>
+        </p:txBody>
+      </p:sp>
+    </p:spTree>
+    <p:extLst>
+      <p:ext uri="{BB962C8B-B14F-4D97-AF65-F5344CB8AC3E}">
+        <p14:creationId xmlns:p14="http://schemas.microsoft.com/office/powerpoint/2010/main" val="224423893"/>
+      </p:ext>
+    </p:extLst>
+  </p:cSld>
+  <p:clrMapOvr>
+    <a:masterClrMapping/>
+  </p:clrMapOvr>
+  <p:timing>
+    <p:tnLst>
+      <p:par>
+        <p:cTn id="1" dur="indefinite" restart="never" nodeType="tmRoot"/>
+      </p:par>
+    </p:tnLst>
+  </p:timing>
+</p:sld>
+</file>
+
+<file path=ppt/slides/slide7.xml><?xml version="1.0" encoding="utf-8"?>
+<p:sld xmlns:a="http://schemas.openxmlformats.org/drawingml/2006/main" xmlns:r="http://schemas.openxmlformats.org/officeDocument/2006/relationships" xmlns:p="http://schemas.openxmlformats.org/presentationml/2006/main">
+  <p:cSld>
+    <p:spTree>
+      <p:nvGrpSpPr>
+        <p:cNvPr id="1" name=""/>
+        <p:cNvGrpSpPr/>
+        <p:nvPr/>
+      </p:nvGrpSpPr>
+      <p:grpSpPr>
+        <a:xfrm>
+          <a:off x="0" y="0"/>
+          <a:ext cx="0" cy="0"/>
+          <a:chOff x="0" y="0"/>
+          <a:chExt cx="0" cy="0"/>
+        </a:xfrm>
+      </p:grpSpPr>
+      <p:sp>
+        <p:nvSpPr>
+          <p:cNvPr id="4" name="Rectangle 3"/>
+          <p:cNvSpPr/>
+          <p:nvPr/>
+        </p:nvSpPr>
+        <p:spPr>
+          <a:xfrm>
+            <a:off x="1066800" y="457200"/>
+            <a:ext cx="7010400" cy="584775"/>
+          </a:xfrm>
+          <a:prstGeom prst="rect">
+            <a:avLst/>
+          </a:prstGeom>
+        </p:spPr>
+        <p:txBody>
+          <a:bodyPr wrap="square">
+            <a:spAutoFit/>
+          </a:bodyPr>
+          <a:lstStyle/>
+          <a:p>
+            <a:pPr algn="ctr"/>
+            <a:r>
+              <a:rPr lang="en-US" sz="3200" b="1" dirty="0">
+                <a:latin typeface="Cambria" pitchFamily="18" charset="0"/>
+              </a:rPr>
+              <a:t>Basic concepts of Operating System</a:t>
+            </a:r>
+          </a:p>
+        </p:txBody>
+      </p:sp>
+      <p:sp>
+        <p:nvSpPr>
+          <p:cNvPr id="3" name="Rectangle 2"/>
+          <p:cNvSpPr/>
+          <p:nvPr/>
+        </p:nvSpPr>
+        <p:spPr>
+          <a:xfrm>
+            <a:off x="533400" y="1737479"/>
+            <a:ext cx="8153400" cy="3385542"/>
+          </a:xfrm>
+          <a:prstGeom prst="rect">
+            <a:avLst/>
+          </a:prstGeom>
+        </p:spPr>
+        <p:txBody>
+          <a:bodyPr wrap="square">
+            <a:spAutoFit/>
+          </a:bodyPr>
+          <a:lstStyle/>
+          <a:p>
+            <a:pPr marL="285750" indent="-285750" algn="just">
+              <a:buFont typeface="Arial" pitchFamily="34" charset="0"/>
+              <a:buChar char="•"/>
+            </a:pPr>
+            <a:r>
+              <a:rPr lang="en-US" sz="2000" dirty="0"/>
+              <a:t>An operating system's file system structure is its most basic level of organization. Almost all of the ways an operating system interacts with its users, applications, and security model are dependent upon the way it organizes files on storage devices</a:t>
+            </a:r>
+            <a:r>
+              <a:rPr lang="en-US" sz="2000" dirty="0" smtClean="0"/>
+              <a:t>.</a:t>
+            </a:r>
+          </a:p>
+          <a:p>
+            <a:pPr marL="285750" indent="-285750" algn="just">
+              <a:buFont typeface="Arial" pitchFamily="34" charset="0"/>
+              <a:buChar char="•"/>
+            </a:pPr>
+            <a:endParaRPr lang="en-US" sz="2000" dirty="0"/>
+          </a:p>
+          <a:p>
+            <a:pPr marL="285750" indent="-285750" algn="just">
+              <a:buFont typeface="Arial" pitchFamily="34" charset="0"/>
+              <a:buChar char="•"/>
+            </a:pPr>
+            <a:r>
+              <a:rPr lang="en-US" sz="2000" dirty="0"/>
+              <a:t>In Linux, everything is configured as a file. This includes not only text files, images and compiled programs (also referred to as </a:t>
+            </a:r>
+            <a:r>
+              <a:rPr lang="en-US" sz="2000" dirty="0" err="1"/>
+              <a:t>executables</a:t>
+            </a:r>
+            <a:r>
+              <a:rPr lang="en-US" sz="2000" dirty="0"/>
+              <a:t>), but also directories, partitions and hardware device drivers.</a:t>
+            </a:r>
+          </a:p>
+          <a:p>
+            <a:pPr marL="285750" indent="-285750" algn="just">
+              <a:buFont typeface="Arial" pitchFamily="34" charset="0"/>
+              <a:buChar char="•"/>
+            </a:pPr>
+            <a:endParaRPr lang="en-US" dirty="0"/>
+          </a:p>
+          <a:p>
+            <a:pPr marL="285750" indent="-285750" algn="just">
+              <a:buFont typeface="Arial" pitchFamily="34" charset="0"/>
+              <a:buChar char="•"/>
+            </a:pPr>
+            <a:endParaRPr lang="en-US" dirty="0" smtClean="0"/>
+          </a:p>
+          <a:p>
+            <a:pPr marL="285750" indent="-285750" algn="just">
+              <a:buFont typeface="Arial" pitchFamily="34" charset="0"/>
+              <a:buChar char="•"/>
+            </a:pPr>
+            <a:endParaRPr lang="en-US" dirty="0"/>
+          </a:p>
+        </p:txBody>
+      </p:sp>
+    </p:spTree>
+    <p:extLst>
+      <p:ext uri="{BB962C8B-B14F-4D97-AF65-F5344CB8AC3E}">
+        <p14:creationId xmlns:p14="http://schemas.microsoft.com/office/powerpoint/2010/main" val="426477701"/>
+      </p:ext>
+    </p:extLst>
+  </p:cSld>
+  <p:clrMapOvr>
+    <a:masterClrMapping/>
+  </p:clrMapOvr>
+  <p:timing>
+    <p:tnLst>
+      <p:par>
+        <p:cTn id="1" dur="indefinite" restart="never" nodeType="tmRoot"/>
+      </p:par>
+    </p:tnLst>
+  </p:timing>
+</p:sld>
+</file>
+
+<file path=ppt/slides/slide8.xml><?xml version="1.0" encoding="utf-8"?>
+<p:sld xmlns:a="http://schemas.openxmlformats.org/drawingml/2006/main" xmlns:r="http://schemas.openxmlformats.org/officeDocument/2006/relationships" xmlns:p="http://schemas.openxmlformats.org/presentationml/2006/main">
+  <p:cSld>
+    <p:spTree>
+      <p:nvGrpSpPr>
+        <p:cNvPr id="1" name=""/>
+        <p:cNvGrpSpPr/>
+        <p:nvPr/>
+      </p:nvGrpSpPr>
+      <p:grpSpPr>
+        <a:xfrm>
+          <a:off x="0" y="0"/>
+          <a:ext cx="0" cy="0"/>
+          <a:chOff x="0" y="0"/>
+          <a:chExt cx="0" cy="0"/>
+        </a:xfrm>
+      </p:grpSpPr>
+      <p:pic>
+        <p:nvPicPr>
+          <p:cNvPr id="2050" name="Picture 2" descr="Related image"/>
+          <p:cNvPicPr>
+            <a:picLocks noChangeAspect="1" noChangeArrowheads="1"/>
+          </p:cNvPicPr>
+          <p:nvPr/>
+        </p:nvPicPr>
+        <p:blipFill>
+          <a:blip r:embed="rId2">
+            <a:extLst>
+              <a:ext uri="{28A0092B-C50C-407E-A947-70E740481C1C}">
+                <a14:useLocalDpi xmlns:a14="http://schemas.microsoft.com/office/drawing/2010/main" val="0"/>
+              </a:ext>
+            </a:extLst>
+          </a:blip>
+          <a:srcRect/>
+          <a:stretch>
+            <a:fillRect/>
+          </a:stretch>
+        </p:blipFill>
+        <p:spPr bwMode="auto">
+          <a:xfrm>
+            <a:off x="1981200" y="228600"/>
+            <a:ext cx="4333875" cy="6311271"/>
+          </a:xfrm>
+          <a:prstGeom prst="rect">
+            <a:avLst/>
+          </a:prstGeom>
+          <a:noFill/>
+          <a:extLst>
+            <a:ext uri="{909E8E84-426E-40DD-AFC4-6F175D3DCCD1}">
+              <a14:hiddenFill xmlns:a14="http://schemas.microsoft.com/office/drawing/2010/main">
+                <a:solidFill>
+                  <a:srgbClr val="FFFFFF"/>
+                </a:solidFill>
+              </a14:hiddenFill>
+            </a:ext>
+          </a:extLst>
+        </p:spPr>
+      </p:pic>
+    </p:spTree>
+    <p:extLst>
+      <p:ext uri="{BB962C8B-B14F-4D97-AF65-F5344CB8AC3E}">
+        <p14:creationId xmlns:p14="http://schemas.microsoft.com/office/powerpoint/2010/main" val="220626263"/>
+      </p:ext>
+    </p:extLst>
+  </p:cSld>
+  <p:clrMapOvr>
+    <a:masterClrMapping/>
+  </p:clrMapOvr>
+  <p:timing>
+    <p:tnLst>
+      <p:par>
+        <p:cTn id="1" dur="indefinite" restart="never" nodeType="tmRoot"/>
+      </p:par>
+    </p:tnLst>
+  </p:timing>
+</p:sld>
+</file>
+
+<file path=ppt/slides/slide9.xml><?xml version="1.0" encoding="utf-8"?>
+<p:sld xmlns:a="http://schemas.openxmlformats.org/drawingml/2006/main" xmlns:r="http://schemas.openxmlformats.org/officeDocument/2006/relationships" xmlns:p="http://schemas.openxmlformats.org/presentationml/2006/main">
+  <p:cSld>
+    <p:spTree>
+      <p:nvGrpSpPr>
+        <p:cNvPr id="1" name=""/>
+        <p:cNvGrpSpPr/>
+        <p:nvPr/>
+      </p:nvGrpSpPr>
+      <p:grpSpPr>
+        <a:xfrm>
+          <a:off x="0" y="0"/>
+          <a:ext cx="0" cy="0"/>
+          <a:chOff x="0" y="0"/>
+          <a:chExt cx="0" cy="0"/>
+        </a:xfrm>
+      </p:grpSpPr>
+      <p:sp>
+        <p:nvSpPr>
+          <p:cNvPr id="4" name="Rectangle 3"/>
+          <p:cNvSpPr/>
+          <p:nvPr/>
+        </p:nvSpPr>
+        <p:spPr>
+          <a:xfrm>
+            <a:off x="1066800" y="304800"/>
+            <a:ext cx="7010400" cy="584775"/>
+          </a:xfrm>
+          <a:prstGeom prst="rect">
+            <a:avLst/>
+          </a:prstGeom>
+        </p:spPr>
+        <p:txBody>
+          <a:bodyPr wrap="square">
+            <a:spAutoFit/>
+          </a:bodyPr>
+          <a:lstStyle/>
+          <a:p>
+            <a:pPr algn="ctr"/>
+            <a:r>
+              <a:rPr lang="en-US" sz="3200" b="1" dirty="0">
+                <a:latin typeface="Cambria" pitchFamily="18" charset="0"/>
+              </a:rPr>
+              <a:t>Basic commands of Linux</a:t>
+            </a:r>
+          </a:p>
+        </p:txBody>
+      </p:sp>
+      <p:sp>
+        <p:nvSpPr>
+          <p:cNvPr id="3" name="Rectangle 2"/>
+          <p:cNvSpPr/>
+          <p:nvPr/>
+        </p:nvSpPr>
+        <p:spPr>
+          <a:xfrm>
+            <a:off x="533400" y="1143000"/>
+            <a:ext cx="8153400" cy="5632311"/>
+          </a:xfrm>
+          <a:prstGeom prst="rect">
+            <a:avLst/>
+          </a:prstGeom>
+        </p:spPr>
+        <p:txBody>
+          <a:bodyPr wrap="square">
+            <a:spAutoFit/>
+          </a:bodyPr>
+          <a:lstStyle/>
+          <a:p>
+            <a:pPr marL="285750" indent="-285750" algn="just">
+              <a:buFont typeface="Arial" pitchFamily="34" charset="0"/>
+              <a:buChar char="•"/>
+            </a:pPr>
+            <a:r>
+              <a:rPr lang="en-US" dirty="0" err="1"/>
+              <a:t>m</a:t>
+            </a:r>
+            <a:r>
+              <a:rPr lang="en-US" dirty="0" err="1" smtClean="0"/>
+              <a:t>kdir</a:t>
+            </a:r>
+            <a:r>
+              <a:rPr lang="en-US" dirty="0" smtClean="0"/>
+              <a:t> – </a:t>
+            </a:r>
+            <a:r>
+              <a:rPr lang="en-US" dirty="0"/>
+              <a:t>make directories                                                                 </a:t>
+            </a:r>
+            <a:endParaRPr lang="en-US" dirty="0" smtClean="0"/>
+          </a:p>
+          <a:p>
+            <a:pPr algn="just"/>
+            <a:r>
+              <a:rPr lang="en-US" dirty="0"/>
+              <a:t> </a:t>
+            </a:r>
+            <a:r>
+              <a:rPr lang="en-US" dirty="0" smtClean="0"/>
+              <a:t>         	 Usage</a:t>
+            </a:r>
+            <a:r>
+              <a:rPr lang="en-US" dirty="0"/>
+              <a:t>: </a:t>
+            </a:r>
+            <a:r>
+              <a:rPr lang="en-US" dirty="0" err="1"/>
+              <a:t>mkdir</a:t>
+            </a:r>
+            <a:r>
+              <a:rPr lang="en-US" dirty="0"/>
+              <a:t> [OPTION] DIRECTORY...                               </a:t>
+            </a:r>
+          </a:p>
+          <a:p>
+            <a:pPr algn="just"/>
+            <a:r>
+              <a:rPr lang="en-US" dirty="0" smtClean="0"/>
+              <a:t>         	  </a:t>
+            </a:r>
+            <a:r>
+              <a:rPr lang="en-US" dirty="0" err="1"/>
+              <a:t>eg</a:t>
+            </a:r>
+            <a:r>
+              <a:rPr lang="en-US" dirty="0"/>
+              <a:t>. </a:t>
+            </a:r>
+            <a:r>
+              <a:rPr lang="en-US" dirty="0" err="1"/>
+              <a:t>mkdir</a:t>
+            </a:r>
+            <a:r>
+              <a:rPr lang="en-US" dirty="0"/>
+              <a:t> </a:t>
+            </a:r>
+            <a:r>
+              <a:rPr lang="en-US" dirty="0" err="1" smtClean="0"/>
+              <a:t>prabhat</a:t>
+            </a:r>
+            <a:endParaRPr lang="en-US" dirty="0" smtClean="0"/>
+          </a:p>
+          <a:p>
+            <a:pPr algn="just"/>
+            <a:endParaRPr lang="en-US" dirty="0"/>
+          </a:p>
+          <a:p>
+            <a:pPr marL="285750" indent="-285750">
+              <a:buFont typeface="Arial" pitchFamily="34" charset="0"/>
+              <a:buChar char="•"/>
+            </a:pPr>
+            <a:r>
+              <a:rPr lang="fr-FR" dirty="0" err="1" smtClean="0"/>
+              <a:t>ls</a:t>
+            </a:r>
+            <a:r>
+              <a:rPr lang="fr-FR" dirty="0" smtClean="0"/>
+              <a:t> – </a:t>
+            </a:r>
+            <a:r>
+              <a:rPr lang="fr-FR" dirty="0" err="1"/>
+              <a:t>list</a:t>
+            </a:r>
+            <a:r>
+              <a:rPr lang="fr-FR" dirty="0"/>
+              <a:t> directory contents </a:t>
+            </a:r>
+          </a:p>
+          <a:p>
+            <a:r>
+              <a:rPr lang="fr-FR" dirty="0" smtClean="0"/>
+              <a:t>	Usage</a:t>
+            </a:r>
+            <a:r>
+              <a:rPr lang="fr-FR" dirty="0"/>
+              <a:t>: </a:t>
+            </a:r>
+            <a:r>
+              <a:rPr lang="fr-FR" dirty="0" err="1"/>
+              <a:t>ls</a:t>
+            </a:r>
+            <a:r>
+              <a:rPr lang="fr-FR" dirty="0"/>
+              <a:t> [OPTION]... [FILE]... </a:t>
+            </a:r>
+          </a:p>
+          <a:p>
+            <a:r>
+              <a:rPr lang="fr-FR" dirty="0" smtClean="0"/>
+              <a:t>	</a:t>
+            </a:r>
+            <a:r>
+              <a:rPr lang="fr-FR" dirty="0" err="1" smtClean="0"/>
+              <a:t>eg</a:t>
+            </a:r>
+            <a:r>
+              <a:rPr lang="fr-FR" dirty="0"/>
+              <a:t>. </a:t>
+            </a:r>
+            <a:r>
+              <a:rPr lang="fr-FR" dirty="0" err="1"/>
+              <a:t>ls</a:t>
+            </a:r>
+            <a:r>
+              <a:rPr lang="fr-FR" dirty="0"/>
+              <a:t>, </a:t>
+            </a:r>
+            <a:r>
+              <a:rPr lang="fr-FR" dirty="0" err="1"/>
+              <a:t>ls</a:t>
+            </a:r>
+            <a:r>
+              <a:rPr lang="fr-FR" dirty="0"/>
+              <a:t> ­l, </a:t>
+            </a:r>
+            <a:r>
+              <a:rPr lang="fr-FR" dirty="0" err="1"/>
+              <a:t>ls</a:t>
+            </a:r>
+            <a:r>
+              <a:rPr lang="fr-FR" dirty="0"/>
+              <a:t> </a:t>
+            </a:r>
+            <a:r>
+              <a:rPr lang="fr-FR" dirty="0" err="1"/>
+              <a:t>prabhat</a:t>
+            </a:r>
+            <a:endParaRPr lang="fr-FR" dirty="0"/>
+          </a:p>
+          <a:p>
+            <a:endParaRPr lang="fr-FR" dirty="0"/>
+          </a:p>
+          <a:p>
+            <a:pPr marL="285750" indent="-285750">
+              <a:buFont typeface="Arial" pitchFamily="34" charset="0"/>
+              <a:buChar char="•"/>
+            </a:pPr>
+            <a:r>
+              <a:rPr lang="fr-FR" dirty="0"/>
+              <a:t>c</a:t>
+            </a:r>
+            <a:r>
+              <a:rPr lang="fr-FR" dirty="0" smtClean="0"/>
+              <a:t>d – </a:t>
+            </a:r>
+            <a:r>
+              <a:rPr lang="fr-FR" dirty="0"/>
+              <a:t>changes directories </a:t>
+            </a:r>
+          </a:p>
+          <a:p>
+            <a:r>
+              <a:rPr lang="fr-FR" dirty="0" smtClean="0"/>
+              <a:t>	Usage</a:t>
+            </a:r>
+            <a:r>
+              <a:rPr lang="fr-FR" dirty="0"/>
+              <a:t>: cd [DIRECTORY] </a:t>
+            </a:r>
+          </a:p>
+          <a:p>
+            <a:r>
+              <a:rPr lang="fr-FR" dirty="0" smtClean="0"/>
+              <a:t>	</a:t>
+            </a:r>
+            <a:r>
+              <a:rPr lang="fr-FR" dirty="0" err="1" smtClean="0"/>
+              <a:t>eg</a:t>
+            </a:r>
+            <a:r>
+              <a:rPr lang="fr-FR" dirty="0"/>
+              <a:t>. cd </a:t>
+            </a:r>
+            <a:r>
+              <a:rPr lang="fr-FR" dirty="0" err="1" smtClean="0"/>
+              <a:t>prabhat</a:t>
+            </a:r>
+            <a:endParaRPr lang="fr-FR" dirty="0" smtClean="0"/>
+          </a:p>
+          <a:p>
+            <a:endParaRPr lang="fr-FR" dirty="0"/>
+          </a:p>
+          <a:p>
+            <a:pPr marL="285750" indent="-285750">
+              <a:buFont typeface="Arial" pitchFamily="34" charset="0"/>
+              <a:buChar char="•"/>
+            </a:pPr>
+            <a:r>
+              <a:rPr lang="en-US" dirty="0" err="1"/>
+              <a:t>p</a:t>
+            </a:r>
+            <a:r>
+              <a:rPr lang="en-US" dirty="0" err="1" smtClean="0"/>
+              <a:t>wd</a:t>
+            </a:r>
+            <a:r>
+              <a:rPr lang="en-US" dirty="0" smtClean="0"/>
+              <a:t> -- print </a:t>
+            </a:r>
+            <a:r>
+              <a:rPr lang="en-US" dirty="0"/>
+              <a:t>name of current working directory </a:t>
+            </a:r>
+          </a:p>
+          <a:p>
+            <a:r>
+              <a:rPr lang="en-US" dirty="0" smtClean="0"/>
+              <a:t>	Usage</a:t>
+            </a:r>
+            <a:r>
+              <a:rPr lang="en-US" dirty="0"/>
+              <a:t>: </a:t>
+            </a:r>
+            <a:r>
+              <a:rPr lang="en-US" dirty="0" err="1"/>
+              <a:t>pwd</a:t>
+            </a:r>
+            <a:r>
+              <a:rPr lang="en-US" dirty="0"/>
+              <a:t> </a:t>
+            </a:r>
+          </a:p>
+          <a:p>
+            <a:endParaRPr lang="en-US" dirty="0"/>
+          </a:p>
+          <a:p>
+            <a:pPr marL="285750" indent="-285750">
+              <a:buFont typeface="Arial" pitchFamily="34" charset="0"/>
+              <a:buChar char="•"/>
+            </a:pPr>
+            <a:r>
+              <a:rPr lang="en-US" dirty="0"/>
+              <a:t>v</a:t>
+            </a:r>
+            <a:r>
+              <a:rPr lang="en-US" dirty="0" smtClean="0"/>
+              <a:t>im – </a:t>
+            </a:r>
+            <a:r>
+              <a:rPr lang="en-US" dirty="0"/>
+              <a:t>Vi Improved, a programmers text editor </a:t>
+            </a:r>
+          </a:p>
+          <a:p>
+            <a:r>
+              <a:rPr lang="en-US" dirty="0" smtClean="0"/>
+              <a:t>	Usage</a:t>
+            </a:r>
+            <a:r>
+              <a:rPr lang="en-US" dirty="0"/>
+              <a:t>: vim [OPTION] [file]... </a:t>
+            </a:r>
+          </a:p>
+          <a:p>
+            <a:r>
+              <a:rPr lang="en-US" dirty="0" smtClean="0"/>
+              <a:t>	</a:t>
+            </a:r>
+            <a:r>
+              <a:rPr lang="en-US" dirty="0" err="1" smtClean="0"/>
+              <a:t>eg</a:t>
+            </a:r>
+            <a:r>
+              <a:rPr lang="en-US" dirty="0"/>
+              <a:t>. vim file1.txt</a:t>
+            </a:r>
+          </a:p>
+          <a:p>
+            <a:pPr marL="285750" indent="-285750" algn="just">
+              <a:buFont typeface="Arial" pitchFamily="34" charset="0"/>
+              <a:buChar char="•"/>
+            </a:pPr>
+            <a:endParaRPr lang="en-US" dirty="0" smtClean="0"/>
+          </a:p>
+          <a:p>
+            <a:pPr marL="285750" indent="-285750" algn="just">
+              <a:buFont typeface="Arial" pitchFamily="34" charset="0"/>
+              <a:buChar char="•"/>
+            </a:pPr>
+            <a:endParaRPr lang="en-US" dirty="0"/>
+          </a:p>
+        </p:txBody>
+      </p:sp>
+    </p:spTree>
+    <p:extLst>
+      <p:ext uri="{BB962C8B-B14F-4D97-AF65-F5344CB8AC3E}">
+        <p14:creationId xmlns:p14="http://schemas.microsoft.com/office/powerpoint/2010/main" val="3859723690"/>
+      </p:ext>
+    </p:extLst>
+  </p:cSld>
+  <p:clrMapOvr>
+    <a:masterClrMapping/>
+  </p:clrMapOvr>
+  <p:timing>
+    <p:tnLst>
+      <p:par>
+        <p:cTn id="1" dur="indefinite" restart="never" nodeType="tmRoot"/>
+      </p:par>
+    </p:tnLst>
+  </p:timing>
+</p:sld>
+</file>
+
 <file path=ppt/theme/theme1.xml><?xml version="1.0" encoding="utf-8"?>
-<a:theme xmlns:a="http://schemas.openxmlformats.org/drawingml/2006/main" name="Office Theme">
+<a:theme xmlns:a="http://schemas.openxmlformats.org/drawingml/2006/main" name="Tradeshow">
   <a:themeElements>
-    <a:clrScheme name="Office">
+    <a:clrScheme name="Tradeshow">
       <a:dk1>
-        <a:sysClr val="windowText" lastClr="000000"/>
+        <a:srgbClr val="3F3F3F"/>
       </a:dk1>
       <a:lt1>
-        <a:sysClr val="window" lastClr="FFFFFF"/>
+        <a:srgbClr val="FFFFFF"/>
       </a:lt1>
       <a:dk2>
-        <a:srgbClr val="1F497D"/>
+        <a:srgbClr val="7DAFC3"/>
       </a:dk2>
       <a:lt2>
-        <a:srgbClr val="EEECE1"/>
+        <a:srgbClr val="E5E4DF"/>
       </a:lt2>
       <a:accent1>
-        <a:srgbClr val="4F81BD"/>
+        <a:srgbClr val="7C959A"/>
       </a:accent1>
       <a:accent2>
-        <a:srgbClr val="C0504D"/>
+        <a:srgbClr val="DB8631"/>
       </a:accent2>
       <a:accent3>
-        <a:srgbClr val="9BBB59"/>
+        <a:srgbClr val="E3CC5A"/>
       </a:accent3>
       <a:accent4>
-        <a:srgbClr val="8064A2"/>
+        <a:srgbClr val="ACADA8"/>
       </a:accent4>
       <a:accent5>
-        <a:srgbClr val="4BACC6"/>
+        <a:srgbClr val="927C61"/>
       </a:accent5>
       <a:accent6>
-        <a:srgbClr val="F79646"/>
+        <a:srgbClr val="B3B435"/>
       </a:accent6>
       <a:hlink>
-        <a:srgbClr val="0000FF"/>
+        <a:srgbClr val="0079A4"/>
       </a:hlink>
       <a:folHlink>
-        <a:srgbClr val="800080"/>
+        <a:srgbClr val="595959"/>
       </a:folHlink>
     </a:clrScheme>
-    <a:fontScheme name="Office">
+    <a:fontScheme name="Tradeshow">
       <a:majorFont>
-        <a:latin typeface="Calibri"/>
+        <a:latin typeface="Arial Black"/>
         <a:ea typeface=""/>
         <a:cs typeface=""/>
         <a:font script="Jpan" typeface="ＭＳ Ｐゴシック"/>
-        <a:font script="Hang" typeface="맑은 고딕"/>
+        <a:font script="Hang" typeface="HY견고딕"/>
         <a:font script="Hans" typeface="宋体"/>
         <a:font script="Hant" typeface="新細明體"/>
-        <a:font script="Arab" typeface="Times New Roman"/>
-        <a:font script="Hebr" typeface="Times New Roman"/>
-        <a:font script="Thai" typeface="Angsana New"/>
+        <a:font script="Arab" typeface="Tahoma"/>
+        <a:font script="Hebr" typeface="Tahoma"/>
+        <a:font script="Thai" typeface="Tahoma"/>
         <a:font script="Ethi" typeface="Nyala"/>
         <a:font script="Beng" typeface="Vrinda"/>
         <a:font script="Gujr" typeface="Shruti"/>
@@ -3114,18 +6117,19 @@
         <a:font script="Mong" typeface="Mongolian Baiti"/>
         <a:font script="Viet" typeface="Times New Roman"/>
         <a:font script="Uigh" typeface="Microsoft Uighur"/>
+        <a:font script="Geor" typeface="Sylfaen"/>
       </a:majorFont>
       <a:minorFont>
-        <a:latin typeface="Calibri"/>
+        <a:latin typeface="Candara"/>
         <a:ea typeface=""/>
         <a:cs typeface=""/>
         <a:font script="Jpan" typeface="ＭＳ Ｐゴシック"/>
-        <a:font script="Hang" typeface="맑은 고딕"/>
-        <a:font script="Hans" typeface="宋体"/>
+        <a:font script="Hang" typeface="HY견명조"/>
+        <a:font script="Hans" typeface="华文楷体"/>
         <a:font script="Hant" typeface="新細明體"/>
         <a:font script="Arab" typeface="Arial"/>
         <a:font script="Hebr" typeface="Arial"/>
-        <a:font script="Thai" typeface="Cordia New"/>
+        <a:font script="Thai" typeface="KodchiangUPC"/>
         <a:font script="Ethi" typeface="Nyala"/>
         <a:font script="Beng" typeface="Vrinda"/>
         <a:font script="Gujr" typeface="Shruti"/>
@@ -3146,11 +6150,12 @@
         <a:font script="Laoo" typeface="DokChampa"/>
         <a:font script="Sinh" typeface="Iskoola Pota"/>
         <a:font script="Mong" typeface="Mongolian Baiti"/>
-        <a:font script="Viet" typeface="Arial"/>
+        <a:font script="Viet" typeface="Tahoma"/>
         <a:font script="Uigh" typeface="Microsoft Uighur"/>
+        <a:font script="Geor" typeface="Sylfaen"/>
       </a:minorFont>
     </a:fontScheme>
-    <a:fmtScheme name="Office">
+    <a:fmtScheme name="Tradeshow">
       <a:fillStyleLst>
         <a:solidFill>
           <a:schemeClr val="phClr"/>
@@ -3159,43 +6164,51 @@
           <a:gsLst>
             <a:gs pos="0">
               <a:schemeClr val="phClr">
-                <a:tint val="50000"/>
+                <a:tint val="45000"/>
                 <a:satMod val="300000"/>
               </a:schemeClr>
             </a:gs>
             <a:gs pos="35000">
               <a:schemeClr val="phClr">
-                <a:tint val="37000"/>
+                <a:tint val="45000"/>
                 <a:satMod val="300000"/>
+              </a:schemeClr>
+            </a:gs>
+            <a:gs pos="69000">
+              <a:schemeClr val="phClr">
+                <a:tint val="45000"/>
+                <a:satMod val="350000"/>
               </a:schemeClr>
             </a:gs>
             <a:gs pos="100000">
               <a:schemeClr val="phClr">
-                <a:tint val="15000"/>
+                <a:tint val="60000"/>
                 <a:satMod val="350000"/>
               </a:schemeClr>
             </a:gs>
           </a:gsLst>
-          <a:lin ang="16200000" scaled="1"/>
+          <a:path path="circle">
+            <a:fillToRect l="50000" t="50000" r="100000" b="100000"/>
+          </a:path>
         </a:gradFill>
         <a:gradFill rotWithShape="1">
           <a:gsLst>
             <a:gs pos="0">
               <a:schemeClr val="phClr">
-                <a:shade val="51000"/>
-                <a:satMod val="130000"/>
+                <a:shade val="47500"/>
+                <a:satMod val="137000"/>
               </a:schemeClr>
             </a:gs>
-            <a:gs pos="80000">
+            <a:gs pos="55000">
               <a:schemeClr val="phClr">
-                <a:shade val="93000"/>
-                <a:satMod val="130000"/>
+                <a:shade val="69000"/>
+                <a:satMod val="137000"/>
               </a:schemeClr>
             </a:gs>
             <a:gs pos="100000">
               <a:schemeClr val="phClr">
-                <a:shade val="94000"/>
-                <a:satMod val="135000"/>
+                <a:shade val="98000"/>
+                <a:satMod val="137000"/>
               </a:schemeClr>
             </a:gs>
           </a:gsLst>
@@ -3203,22 +6216,19 @@
         </a:gradFill>
       </a:fillStyleLst>
       <a:lnStyleLst>
-        <a:ln w="9525" cap="flat" cmpd="sng" algn="ctr">
-          <a:solidFill>
-            <a:schemeClr val="phClr">
-              <a:shade val="95000"/>
-              <a:satMod val="105000"/>
-            </a:schemeClr>
-          </a:solidFill>
-          <a:prstDash val="solid"/>
-        </a:ln>
-        <a:ln w="25400" cap="flat" cmpd="sng" algn="ctr">
+        <a:ln w="9525" cap="rnd" cmpd="sng" algn="ctr">
           <a:solidFill>
             <a:schemeClr val="phClr"/>
           </a:solidFill>
           <a:prstDash val="solid"/>
         </a:ln>
-        <a:ln w="38100" cap="flat" cmpd="sng" algn="ctr">
+        <a:ln w="38475" cap="flat" cmpd="sng" algn="ctr">
+          <a:solidFill>
+            <a:schemeClr val="phClr"/>
+          </a:solidFill>
+          <a:prstDash val="solid"/>
+        </a:ln>
+        <a:ln w="54850" cap="flat" cmpd="sng" algn="ctr">
           <a:solidFill>
             <a:schemeClr val="phClr"/>
           </a:solidFill>
@@ -3228,27 +6238,27 @@
       <a:effectStyleLst>
         <a:effectStyle>
           <a:effectLst>
-            <a:outerShdw blurRad="40000" dist="20000" dir="5400000" rotWithShape="0">
+            <a:outerShdw blurRad="50800" dist="25400" dir="5400000" rotWithShape="0">
               <a:srgbClr val="000000">
-                <a:alpha val="38000"/>
+                <a:alpha val="55000"/>
               </a:srgbClr>
             </a:outerShdw>
           </a:effectLst>
         </a:effectStyle>
         <a:effectStyle>
           <a:effectLst>
-            <a:outerShdw blurRad="40000" dist="23000" dir="5400000" rotWithShape="0">
+            <a:outerShdw blurRad="50800" dist="25400" dir="5400000" rotWithShape="0">
               <a:srgbClr val="000000">
-                <a:alpha val="35000"/>
+                <a:alpha val="44000"/>
               </a:srgbClr>
             </a:outerShdw>
           </a:effectLst>
         </a:effectStyle>
         <a:effectStyle>
           <a:effectLst>
-            <a:outerShdw blurRad="40000" dist="23000" dir="5400000" rotWithShape="0">
+            <a:outerShdw blurRad="50800" dist="25400" dir="5400000" rotWithShape="0">
               <a:srgbClr val="000000">
-                <a:alpha val="35000"/>
+                <a:alpha val="55000"/>
               </a:srgbClr>
             </a:outerShdw>
           </a:effectLst>
@@ -3256,12 +6266,17 @@
             <a:camera prst="orthographicFront">
               <a:rot lat="0" lon="0" rev="0"/>
             </a:camera>
-            <a:lightRig rig="threePt" dir="t">
-              <a:rot lat="0" lon="0" rev="1200000"/>
+            <a:lightRig rig="brightRoom" dir="tl">
+              <a:rot lat="0" lon="0" rev="3600000"/>
             </a:lightRig>
           </a:scene3d>
-          <a:sp3d>
-            <a:bevelT w="63500" h="25400"/>
+          <a:sp3d contourW="31750" prstMaterial="flat">
+            <a:bevelT w="127000" h="254000" prst="angle"/>
+            <a:contourClr>
+              <a:schemeClr val="phClr">
+                <a:shade val="20000"/>
+              </a:schemeClr>
+            </a:contourClr>
           </a:sp3d>
         </a:effectStyle>
       </a:effectStyleLst>
@@ -3271,47 +6286,40 @@
         </a:solidFill>
         <a:gradFill rotWithShape="1">
           <a:gsLst>
-            <a:gs pos="0">
+            <a:gs pos="20000">
               <a:schemeClr val="phClr">
-                <a:tint val="40000"/>
-                <a:satMod val="350000"/>
-              </a:schemeClr>
-            </a:gs>
-            <a:gs pos="40000">
-              <a:schemeClr val="phClr">
-                <a:tint val="45000"/>
-                <a:shade val="99000"/>
-                <a:satMod val="350000"/>
+                <a:tint val="80000"/>
+                <a:lumMod val="100000"/>
               </a:schemeClr>
             </a:gs>
             <a:gs pos="100000">
               <a:schemeClr val="phClr">
-                <a:shade val="20000"/>
-                <a:satMod val="255000"/>
+                <a:tint val="100000"/>
+                <a:lumMod val="80000"/>
               </a:schemeClr>
             </a:gs>
           </a:gsLst>
           <a:path path="circle">
-            <a:fillToRect l="50000" t="-80000" r="50000" b="180000"/>
+            <a:fillToRect l="50000" t="20000" r="100000" b="100000"/>
           </a:path>
         </a:gradFill>
         <a:gradFill rotWithShape="1">
           <a:gsLst>
             <a:gs pos="0">
               <a:schemeClr val="phClr">
-                <a:tint val="80000"/>
-                <a:satMod val="300000"/>
+                <a:tint val="100000"/>
+                <a:lumMod val="100000"/>
               </a:schemeClr>
             </a:gs>
             <a:gs pos="100000">
               <a:schemeClr val="phClr">
-                <a:shade val="30000"/>
-                <a:satMod val="200000"/>
+                <a:shade val="100000"/>
+                <a:lumMod val="60000"/>
               </a:schemeClr>
             </a:gs>
           </a:gsLst>
           <a:path path="circle">
-            <a:fillToRect l="50000" t="50000" r="50000" b="50000"/>
+            <a:fillToRect l="50000" t="20000" r="100000" b="100000"/>
           </a:path>
         </a:gradFill>
       </a:bgFillStyleLst>
